--- a/lectures/17.1/17.1.pptx
+++ b/lectures/17.1/17.1.pptx
@@ -5,28 +5,27 @@
     <p:sldMasterId id="2147483648" r:id="rId1"/>
   </p:sldMasterIdLst>
   <p:notesMasterIdLst>
-    <p:notesMasterId r:id="rId21"/>
+    <p:notesMasterId r:id="rId20"/>
   </p:notesMasterIdLst>
   <p:sldIdLst>
     <p:sldId id="256" r:id="rId2"/>
-    <p:sldId id="278" r:id="rId3"/>
-    <p:sldId id="275" r:id="rId4"/>
-    <p:sldId id="276" r:id="rId5"/>
-    <p:sldId id="279" r:id="rId6"/>
-    <p:sldId id="280" r:id="rId7"/>
-    <p:sldId id="282" r:id="rId8"/>
-    <p:sldId id="281" r:id="rId9"/>
-    <p:sldId id="283" r:id="rId10"/>
-    <p:sldId id="284" r:id="rId11"/>
-    <p:sldId id="287" r:id="rId12"/>
-    <p:sldId id="285" r:id="rId13"/>
-    <p:sldId id="286" r:id="rId14"/>
-    <p:sldId id="288" r:id="rId15"/>
-    <p:sldId id="289" r:id="rId16"/>
-    <p:sldId id="290" r:id="rId17"/>
-    <p:sldId id="291" r:id="rId18"/>
-    <p:sldId id="293" r:id="rId19"/>
-    <p:sldId id="292" r:id="rId20"/>
+    <p:sldId id="277" r:id="rId3"/>
+    <p:sldId id="294" r:id="rId4"/>
+    <p:sldId id="295" r:id="rId5"/>
+    <p:sldId id="280" r:id="rId6"/>
+    <p:sldId id="282" r:id="rId7"/>
+    <p:sldId id="281" r:id="rId8"/>
+    <p:sldId id="283" r:id="rId9"/>
+    <p:sldId id="284" r:id="rId10"/>
+    <p:sldId id="287" r:id="rId11"/>
+    <p:sldId id="285" r:id="rId12"/>
+    <p:sldId id="286" r:id="rId13"/>
+    <p:sldId id="288" r:id="rId14"/>
+    <p:sldId id="289" r:id="rId15"/>
+    <p:sldId id="290" r:id="rId16"/>
+    <p:sldId id="291" r:id="rId17"/>
+    <p:sldId id="293" r:id="rId18"/>
+    <p:sldId id="292" r:id="rId19"/>
   </p:sldIdLst>
   <p:sldSz cx="12192000" cy="6858000"/>
   <p:notesSz cx="6858000" cy="9144000"/>
@@ -215,7 +214,7 @@
           <a:p>
             <a:fld id="{2E639255-6A42-2443-ADB7-D6469D3C0FBC}" type="datetimeFigureOut">
               <a:rPr lang="en-US" smtClean="0"/>
-              <a:t>1/14/18</a:t>
+              <a:t>1/11/19</a:t>
             </a:fld>
             <a:endParaRPr lang="en-US"/>
           </a:p>
@@ -279,38 +278,37 @@
           <a:p>
             <a:pPr lvl="0"/>
             <a:r>
-              <a:rPr lang="en-US" smtClean="0"/>
+              <a:rPr lang="en-US"/>
               <a:t>Click to edit Master text styles</a:t>
             </a:r>
           </a:p>
           <a:p>
             <a:pPr lvl="1"/>
             <a:r>
-              <a:rPr lang="en-US" smtClean="0"/>
+              <a:rPr lang="en-US"/>
               <a:t>Second level</a:t>
             </a:r>
           </a:p>
           <a:p>
             <a:pPr lvl="2"/>
             <a:r>
-              <a:rPr lang="en-US" smtClean="0"/>
+              <a:rPr lang="en-US"/>
               <a:t>Third level</a:t>
             </a:r>
           </a:p>
           <a:p>
             <a:pPr lvl="3"/>
             <a:r>
-              <a:rPr lang="en-US" smtClean="0"/>
+              <a:rPr lang="en-US"/>
               <a:t>Fourth level</a:t>
             </a:r>
           </a:p>
           <a:p>
             <a:pPr lvl="4"/>
             <a:r>
-              <a:rPr lang="en-US" smtClean="0"/>
+              <a:rPr lang="en-US"/>
               <a:t>Fifth level</a:t>
             </a:r>
-            <a:endParaRPr lang="en-US"/>
           </a:p>
         </p:txBody>
       </p:sp>
@@ -525,10 +523,9 @@
           </a:lstStyle>
           <a:p>
             <a:r>
-              <a:rPr lang="en-US" smtClean="0"/>
+              <a:rPr lang="en-US"/>
               <a:t>Click to edit Master title style</a:t>
             </a:r>
-            <a:endParaRPr lang="en-US"/>
           </a:p>
         </p:txBody>
       </p:sp>
@@ -590,10 +587,9 @@
           </a:lstStyle>
           <a:p>
             <a:r>
-              <a:rPr lang="en-US" smtClean="0"/>
+              <a:rPr lang="en-US"/>
               <a:t>Click to edit Master subtitle style</a:t>
             </a:r>
-            <a:endParaRPr lang="en-US"/>
           </a:p>
         </p:txBody>
       </p:sp>
@@ -614,7 +610,7 @@
           <a:p>
             <a:fld id="{97B8F1CC-AC34-3141-9583-7F6B7488CE2D}" type="datetimeFigureOut">
               <a:rPr lang="en-US" smtClean="0"/>
-              <a:t>1/14/18</a:t>
+              <a:t>1/11/19</a:t>
             </a:fld>
             <a:endParaRPr lang="en-US"/>
           </a:p>
@@ -708,10 +704,9 @@
           <a:lstStyle/>
           <a:p>
             <a:r>
-              <a:rPr lang="en-US" smtClean="0"/>
+              <a:rPr lang="en-US"/>
               <a:t>Click to edit Master title style</a:t>
             </a:r>
-            <a:endParaRPr lang="en-US"/>
           </a:p>
         </p:txBody>
       </p:sp>
@@ -732,38 +727,37 @@
           <a:p>
             <a:pPr lvl="0"/>
             <a:r>
-              <a:rPr lang="en-US" smtClean="0"/>
+              <a:rPr lang="en-US"/>
               <a:t>Click to edit Master text styles</a:t>
             </a:r>
           </a:p>
           <a:p>
             <a:pPr lvl="1"/>
             <a:r>
-              <a:rPr lang="en-US" smtClean="0"/>
+              <a:rPr lang="en-US"/>
               <a:t>Second level</a:t>
             </a:r>
           </a:p>
           <a:p>
             <a:pPr lvl="2"/>
             <a:r>
-              <a:rPr lang="en-US" smtClean="0"/>
+              <a:rPr lang="en-US"/>
               <a:t>Third level</a:t>
             </a:r>
           </a:p>
           <a:p>
             <a:pPr lvl="3"/>
             <a:r>
-              <a:rPr lang="en-US" smtClean="0"/>
+              <a:rPr lang="en-US"/>
               <a:t>Fourth level</a:t>
             </a:r>
           </a:p>
           <a:p>
             <a:pPr lvl="4"/>
             <a:r>
-              <a:rPr lang="en-US" smtClean="0"/>
+              <a:rPr lang="en-US"/>
               <a:t>Fifth level</a:t>
             </a:r>
-            <a:endParaRPr lang="en-US"/>
           </a:p>
         </p:txBody>
       </p:sp>
@@ -784,7 +778,7 @@
           <a:p>
             <a:fld id="{97B8F1CC-AC34-3141-9583-7F6B7488CE2D}" type="datetimeFigureOut">
               <a:rPr lang="en-US" smtClean="0"/>
-              <a:t>1/14/18</a:t>
+              <a:t>1/11/19</a:t>
             </a:fld>
             <a:endParaRPr lang="en-US"/>
           </a:p>
@@ -883,10 +877,9 @@
           <a:lstStyle/>
           <a:p>
             <a:r>
-              <a:rPr lang="en-US" smtClean="0"/>
+              <a:rPr lang="en-US"/>
               <a:t>Click to edit Master title style</a:t>
             </a:r>
-            <a:endParaRPr lang="en-US"/>
           </a:p>
         </p:txBody>
       </p:sp>
@@ -912,38 +905,37 @@
           <a:p>
             <a:pPr lvl="0"/>
             <a:r>
-              <a:rPr lang="en-US" smtClean="0"/>
+              <a:rPr lang="en-US"/>
               <a:t>Click to edit Master text styles</a:t>
             </a:r>
           </a:p>
           <a:p>
             <a:pPr lvl="1"/>
             <a:r>
-              <a:rPr lang="en-US" smtClean="0"/>
+              <a:rPr lang="en-US"/>
               <a:t>Second level</a:t>
             </a:r>
           </a:p>
           <a:p>
             <a:pPr lvl="2"/>
             <a:r>
-              <a:rPr lang="en-US" smtClean="0"/>
+              <a:rPr lang="en-US"/>
               <a:t>Third level</a:t>
             </a:r>
           </a:p>
           <a:p>
             <a:pPr lvl="3"/>
             <a:r>
-              <a:rPr lang="en-US" smtClean="0"/>
+              <a:rPr lang="en-US"/>
               <a:t>Fourth level</a:t>
             </a:r>
           </a:p>
           <a:p>
             <a:pPr lvl="4"/>
             <a:r>
-              <a:rPr lang="en-US" smtClean="0"/>
+              <a:rPr lang="en-US"/>
               <a:t>Fifth level</a:t>
             </a:r>
-            <a:endParaRPr lang="en-US"/>
           </a:p>
         </p:txBody>
       </p:sp>
@@ -964,7 +956,7 @@
           <a:p>
             <a:fld id="{97B8F1CC-AC34-3141-9583-7F6B7488CE2D}" type="datetimeFigureOut">
               <a:rPr lang="en-US" smtClean="0"/>
-              <a:t>1/14/18</a:t>
+              <a:t>1/11/19</a:t>
             </a:fld>
             <a:endParaRPr lang="en-US"/>
           </a:p>
@@ -1058,10 +1050,9 @@
           <a:lstStyle/>
           <a:p>
             <a:r>
-              <a:rPr lang="en-US" smtClean="0"/>
+              <a:rPr lang="en-US"/>
               <a:t>Click to edit Master title style</a:t>
             </a:r>
-            <a:endParaRPr lang="en-US"/>
           </a:p>
         </p:txBody>
       </p:sp>
@@ -1082,38 +1073,37 @@
           <a:p>
             <a:pPr lvl="0"/>
             <a:r>
-              <a:rPr lang="en-US" smtClean="0"/>
+              <a:rPr lang="en-US"/>
               <a:t>Click to edit Master text styles</a:t>
             </a:r>
           </a:p>
           <a:p>
             <a:pPr lvl="1"/>
             <a:r>
-              <a:rPr lang="en-US" smtClean="0"/>
+              <a:rPr lang="en-US"/>
               <a:t>Second level</a:t>
             </a:r>
           </a:p>
           <a:p>
             <a:pPr lvl="2"/>
             <a:r>
-              <a:rPr lang="en-US" smtClean="0"/>
+              <a:rPr lang="en-US"/>
               <a:t>Third level</a:t>
             </a:r>
           </a:p>
           <a:p>
             <a:pPr lvl="3"/>
             <a:r>
-              <a:rPr lang="en-US" smtClean="0"/>
+              <a:rPr lang="en-US"/>
               <a:t>Fourth level</a:t>
             </a:r>
           </a:p>
           <a:p>
             <a:pPr lvl="4"/>
             <a:r>
-              <a:rPr lang="en-US" smtClean="0"/>
+              <a:rPr lang="en-US"/>
               <a:t>Fifth level</a:t>
             </a:r>
-            <a:endParaRPr lang="en-US"/>
           </a:p>
         </p:txBody>
       </p:sp>
@@ -1134,7 +1124,7 @@
           <a:p>
             <a:fld id="{97B8F1CC-AC34-3141-9583-7F6B7488CE2D}" type="datetimeFigureOut">
               <a:rPr lang="en-US" smtClean="0"/>
-              <a:t>1/14/18</a:t>
+              <a:t>1/11/19</a:t>
             </a:fld>
             <a:endParaRPr lang="en-US"/>
           </a:p>
@@ -1237,10 +1227,9 @@
           </a:lstStyle>
           <a:p>
             <a:r>
-              <a:rPr lang="en-US" smtClean="0"/>
+              <a:rPr lang="en-US"/>
               <a:t>Click to edit Master title style</a:t>
             </a:r>
-            <a:endParaRPr lang="en-US"/>
           </a:p>
         </p:txBody>
       </p:sp>
@@ -1357,7 +1346,7 @@
           <a:p>
             <a:pPr lvl="0"/>
             <a:r>
-              <a:rPr lang="en-US" smtClean="0"/>
+              <a:rPr lang="en-US"/>
               <a:t>Click to edit Master text styles</a:t>
             </a:r>
           </a:p>
@@ -1380,7 +1369,7 @@
           <a:p>
             <a:fld id="{97B8F1CC-AC34-3141-9583-7F6B7488CE2D}" type="datetimeFigureOut">
               <a:rPr lang="en-US" smtClean="0"/>
-              <a:t>1/14/18</a:t>
+              <a:t>1/11/19</a:t>
             </a:fld>
             <a:endParaRPr lang="en-US"/>
           </a:p>
@@ -1474,10 +1463,9 @@
           <a:lstStyle/>
           <a:p>
             <a:r>
-              <a:rPr lang="en-US" smtClean="0"/>
+              <a:rPr lang="en-US"/>
               <a:t>Click to edit Master title style</a:t>
             </a:r>
-            <a:endParaRPr lang="en-US"/>
           </a:p>
         </p:txBody>
       </p:sp>
@@ -1503,38 +1491,37 @@
           <a:p>
             <a:pPr lvl="0"/>
             <a:r>
-              <a:rPr lang="en-US" smtClean="0"/>
+              <a:rPr lang="en-US"/>
               <a:t>Click to edit Master text styles</a:t>
             </a:r>
           </a:p>
           <a:p>
             <a:pPr lvl="1"/>
             <a:r>
-              <a:rPr lang="en-US" smtClean="0"/>
+              <a:rPr lang="en-US"/>
               <a:t>Second level</a:t>
             </a:r>
           </a:p>
           <a:p>
             <a:pPr lvl="2"/>
             <a:r>
-              <a:rPr lang="en-US" smtClean="0"/>
+              <a:rPr lang="en-US"/>
               <a:t>Third level</a:t>
             </a:r>
           </a:p>
           <a:p>
             <a:pPr lvl="3"/>
             <a:r>
-              <a:rPr lang="en-US" smtClean="0"/>
+              <a:rPr lang="en-US"/>
               <a:t>Fourth level</a:t>
             </a:r>
           </a:p>
           <a:p>
             <a:pPr lvl="4"/>
             <a:r>
-              <a:rPr lang="en-US" smtClean="0"/>
+              <a:rPr lang="en-US"/>
               <a:t>Fifth level</a:t>
             </a:r>
-            <a:endParaRPr lang="en-US"/>
           </a:p>
         </p:txBody>
       </p:sp>
@@ -1560,38 +1547,37 @@
           <a:p>
             <a:pPr lvl="0"/>
             <a:r>
-              <a:rPr lang="en-US" smtClean="0"/>
+              <a:rPr lang="en-US"/>
               <a:t>Click to edit Master text styles</a:t>
             </a:r>
           </a:p>
           <a:p>
             <a:pPr lvl="1"/>
             <a:r>
-              <a:rPr lang="en-US" smtClean="0"/>
+              <a:rPr lang="en-US"/>
               <a:t>Second level</a:t>
             </a:r>
           </a:p>
           <a:p>
             <a:pPr lvl="2"/>
             <a:r>
-              <a:rPr lang="en-US" smtClean="0"/>
+              <a:rPr lang="en-US"/>
               <a:t>Third level</a:t>
             </a:r>
           </a:p>
           <a:p>
             <a:pPr lvl="3"/>
             <a:r>
-              <a:rPr lang="en-US" smtClean="0"/>
+              <a:rPr lang="en-US"/>
               <a:t>Fourth level</a:t>
             </a:r>
           </a:p>
           <a:p>
             <a:pPr lvl="4"/>
             <a:r>
-              <a:rPr lang="en-US" smtClean="0"/>
+              <a:rPr lang="en-US"/>
               <a:t>Fifth level</a:t>
             </a:r>
-            <a:endParaRPr lang="en-US"/>
           </a:p>
         </p:txBody>
       </p:sp>
@@ -1612,7 +1598,7 @@
           <a:p>
             <a:fld id="{97B8F1CC-AC34-3141-9583-7F6B7488CE2D}" type="datetimeFigureOut">
               <a:rPr lang="en-US" smtClean="0"/>
-              <a:t>1/14/18</a:t>
+              <a:t>1/11/19</a:t>
             </a:fld>
             <a:endParaRPr lang="en-US"/>
           </a:p>
@@ -1711,10 +1697,9 @@
           <a:lstStyle/>
           <a:p>
             <a:r>
-              <a:rPr lang="en-US" smtClean="0"/>
+              <a:rPr lang="en-US"/>
               <a:t>Click to edit Master title style</a:t>
             </a:r>
-            <a:endParaRPr lang="en-US"/>
           </a:p>
         </p:txBody>
       </p:sp>
@@ -1777,7 +1762,7 @@
           <a:p>
             <a:pPr lvl="0"/>
             <a:r>
-              <a:rPr lang="en-US" smtClean="0"/>
+              <a:rPr lang="en-US"/>
               <a:t>Click to edit Master text styles</a:t>
             </a:r>
           </a:p>
@@ -1805,38 +1790,37 @@
           <a:p>
             <a:pPr lvl="0"/>
             <a:r>
-              <a:rPr lang="en-US" smtClean="0"/>
+              <a:rPr lang="en-US"/>
               <a:t>Click to edit Master text styles</a:t>
             </a:r>
           </a:p>
           <a:p>
             <a:pPr lvl="1"/>
             <a:r>
-              <a:rPr lang="en-US" smtClean="0"/>
+              <a:rPr lang="en-US"/>
               <a:t>Second level</a:t>
             </a:r>
           </a:p>
           <a:p>
             <a:pPr lvl="2"/>
             <a:r>
-              <a:rPr lang="en-US" smtClean="0"/>
+              <a:rPr lang="en-US"/>
               <a:t>Third level</a:t>
             </a:r>
           </a:p>
           <a:p>
             <a:pPr lvl="3"/>
             <a:r>
-              <a:rPr lang="en-US" smtClean="0"/>
+              <a:rPr lang="en-US"/>
               <a:t>Fourth level</a:t>
             </a:r>
           </a:p>
           <a:p>
             <a:pPr lvl="4"/>
             <a:r>
-              <a:rPr lang="en-US" smtClean="0"/>
+              <a:rPr lang="en-US"/>
               <a:t>Fifth level</a:t>
             </a:r>
-            <a:endParaRPr lang="en-US"/>
           </a:p>
         </p:txBody>
       </p:sp>
@@ -1899,7 +1883,7 @@
           <a:p>
             <a:pPr lvl="0"/>
             <a:r>
-              <a:rPr lang="en-US" smtClean="0"/>
+              <a:rPr lang="en-US"/>
               <a:t>Click to edit Master text styles</a:t>
             </a:r>
           </a:p>
@@ -1927,38 +1911,37 @@
           <a:p>
             <a:pPr lvl="0"/>
             <a:r>
-              <a:rPr lang="en-US" smtClean="0"/>
+              <a:rPr lang="en-US"/>
               <a:t>Click to edit Master text styles</a:t>
             </a:r>
           </a:p>
           <a:p>
             <a:pPr lvl="1"/>
             <a:r>
-              <a:rPr lang="en-US" smtClean="0"/>
+              <a:rPr lang="en-US"/>
               <a:t>Second level</a:t>
             </a:r>
           </a:p>
           <a:p>
             <a:pPr lvl="2"/>
             <a:r>
-              <a:rPr lang="en-US" smtClean="0"/>
+              <a:rPr lang="en-US"/>
               <a:t>Third level</a:t>
             </a:r>
           </a:p>
           <a:p>
             <a:pPr lvl="3"/>
             <a:r>
-              <a:rPr lang="en-US" smtClean="0"/>
+              <a:rPr lang="en-US"/>
               <a:t>Fourth level</a:t>
             </a:r>
           </a:p>
           <a:p>
             <a:pPr lvl="4"/>
             <a:r>
-              <a:rPr lang="en-US" smtClean="0"/>
+              <a:rPr lang="en-US"/>
               <a:t>Fifth level</a:t>
             </a:r>
-            <a:endParaRPr lang="en-US"/>
           </a:p>
         </p:txBody>
       </p:sp>
@@ -1979,7 +1962,7 @@
           <a:p>
             <a:fld id="{97B8F1CC-AC34-3141-9583-7F6B7488CE2D}" type="datetimeFigureOut">
               <a:rPr lang="en-US" smtClean="0"/>
-              <a:t>1/14/18</a:t>
+              <a:t>1/11/19</a:t>
             </a:fld>
             <a:endParaRPr lang="en-US"/>
           </a:p>
@@ -2073,10 +2056,9 @@
           <a:lstStyle/>
           <a:p>
             <a:r>
-              <a:rPr lang="en-US" smtClean="0"/>
+              <a:rPr lang="en-US"/>
               <a:t>Click to edit Master title style</a:t>
             </a:r>
-            <a:endParaRPr lang="en-US"/>
           </a:p>
         </p:txBody>
       </p:sp>
@@ -2097,7 +2079,7 @@
           <a:p>
             <a:fld id="{97B8F1CC-AC34-3141-9583-7F6B7488CE2D}" type="datetimeFigureOut">
               <a:rPr lang="en-US" smtClean="0"/>
-              <a:t>1/14/18</a:t>
+              <a:t>1/11/19</a:t>
             </a:fld>
             <a:endParaRPr lang="en-US"/>
           </a:p>
@@ -2192,7 +2174,7 @@
           <a:p>
             <a:fld id="{97B8F1CC-AC34-3141-9583-7F6B7488CE2D}" type="datetimeFigureOut">
               <a:rPr lang="en-US" smtClean="0"/>
-              <a:t>1/14/18</a:t>
+              <a:t>1/11/19</a:t>
             </a:fld>
             <a:endParaRPr lang="en-US"/>
           </a:p>
@@ -2295,10 +2277,9 @@
           </a:lstStyle>
           <a:p>
             <a:r>
-              <a:rPr lang="en-US" smtClean="0"/>
+              <a:rPr lang="en-US"/>
               <a:t>Click to edit Master title style</a:t>
             </a:r>
-            <a:endParaRPr lang="en-US"/>
           </a:p>
         </p:txBody>
       </p:sp>
@@ -2352,38 +2333,37 @@
           <a:p>
             <a:pPr lvl="0"/>
             <a:r>
-              <a:rPr lang="en-US" smtClean="0"/>
+              <a:rPr lang="en-US"/>
               <a:t>Click to edit Master text styles</a:t>
             </a:r>
           </a:p>
           <a:p>
             <a:pPr lvl="1"/>
             <a:r>
-              <a:rPr lang="en-US" smtClean="0"/>
+              <a:rPr lang="en-US"/>
               <a:t>Second level</a:t>
             </a:r>
           </a:p>
           <a:p>
             <a:pPr lvl="2"/>
             <a:r>
-              <a:rPr lang="en-US" smtClean="0"/>
+              <a:rPr lang="en-US"/>
               <a:t>Third level</a:t>
             </a:r>
           </a:p>
           <a:p>
             <a:pPr lvl="3"/>
             <a:r>
-              <a:rPr lang="en-US" smtClean="0"/>
+              <a:rPr lang="en-US"/>
               <a:t>Fourth level</a:t>
             </a:r>
           </a:p>
           <a:p>
             <a:pPr lvl="4"/>
             <a:r>
-              <a:rPr lang="en-US" smtClean="0"/>
+              <a:rPr lang="en-US"/>
               <a:t>Fifth level</a:t>
             </a:r>
-            <a:endParaRPr lang="en-US"/>
           </a:p>
         </p:txBody>
       </p:sp>
@@ -2446,7 +2426,7 @@
           <a:p>
             <a:pPr lvl="0"/>
             <a:r>
-              <a:rPr lang="en-US" smtClean="0"/>
+              <a:rPr lang="en-US"/>
               <a:t>Click to edit Master text styles</a:t>
             </a:r>
           </a:p>
@@ -2469,7 +2449,7 @@
           <a:p>
             <a:fld id="{97B8F1CC-AC34-3141-9583-7F6B7488CE2D}" type="datetimeFigureOut">
               <a:rPr lang="en-US" smtClean="0"/>
-              <a:t>1/14/18</a:t>
+              <a:t>1/11/19</a:t>
             </a:fld>
             <a:endParaRPr lang="en-US"/>
           </a:p>
@@ -2572,10 +2552,9 @@
           </a:lstStyle>
           <a:p>
             <a:r>
-              <a:rPr lang="en-US" smtClean="0"/>
+              <a:rPr lang="en-US"/>
               <a:t>Click to edit Master title style</a:t>
             </a:r>
-            <a:endParaRPr lang="en-US"/>
           </a:p>
         </p:txBody>
       </p:sp>
@@ -2699,7 +2678,7 @@
           <a:p>
             <a:pPr lvl="0"/>
             <a:r>
-              <a:rPr lang="en-US" smtClean="0"/>
+              <a:rPr lang="en-US"/>
               <a:t>Click to edit Master text styles</a:t>
             </a:r>
           </a:p>
@@ -2722,7 +2701,7 @@
           <a:p>
             <a:fld id="{97B8F1CC-AC34-3141-9583-7F6B7488CE2D}" type="datetimeFigureOut">
               <a:rPr lang="en-US" smtClean="0"/>
-              <a:t>1/14/18</a:t>
+              <a:t>1/11/19</a:t>
             </a:fld>
             <a:endParaRPr lang="en-US"/>
           </a:p>
@@ -2831,10 +2810,9 @@
           <a:lstStyle/>
           <a:p>
             <a:r>
-              <a:rPr lang="en-US" smtClean="0"/>
+              <a:rPr lang="en-US"/>
               <a:t>Click to edit Master title style</a:t>
             </a:r>
-            <a:endParaRPr lang="en-US"/>
           </a:p>
         </p:txBody>
       </p:sp>
@@ -2865,38 +2843,37 @@
           <a:p>
             <a:pPr lvl="0"/>
             <a:r>
-              <a:rPr lang="en-US" smtClean="0"/>
+              <a:rPr lang="en-US"/>
               <a:t>Click to edit Master text styles</a:t>
             </a:r>
           </a:p>
           <a:p>
             <a:pPr lvl="1"/>
             <a:r>
-              <a:rPr lang="en-US" smtClean="0"/>
+              <a:rPr lang="en-US"/>
               <a:t>Second level</a:t>
             </a:r>
           </a:p>
           <a:p>
             <a:pPr lvl="2"/>
             <a:r>
-              <a:rPr lang="en-US" smtClean="0"/>
+              <a:rPr lang="en-US"/>
               <a:t>Third level</a:t>
             </a:r>
           </a:p>
           <a:p>
             <a:pPr lvl="3"/>
             <a:r>
-              <a:rPr lang="en-US" smtClean="0"/>
+              <a:rPr lang="en-US"/>
               <a:t>Fourth level</a:t>
             </a:r>
           </a:p>
           <a:p>
             <a:pPr lvl="4"/>
             <a:r>
-              <a:rPr lang="en-US" smtClean="0"/>
+              <a:rPr lang="en-US"/>
               <a:t>Fifth level</a:t>
             </a:r>
-            <a:endParaRPr lang="en-US"/>
           </a:p>
         </p:txBody>
       </p:sp>
@@ -2935,7 +2912,7 @@
           <a:p>
             <a:fld id="{97B8F1CC-AC34-3141-9583-7F6B7488CE2D}" type="datetimeFigureOut">
               <a:rPr lang="en-US" smtClean="0"/>
-              <a:t>1/14/18</a:t>
+              <a:t>1/11/19</a:t>
             </a:fld>
             <a:endParaRPr lang="en-US"/>
           </a:p>
@@ -3356,33 +3333,28 @@
           <a:lstStyle/>
           <a:p>
             <a:r>
-              <a:rPr lang="en-US" dirty="0" err="1" smtClean="0"/>
+              <a:rPr lang="en-US" dirty="0" err="1"/>
               <a:t>Grafiske</a:t>
             </a:r>
             <a:r>
-              <a:rPr lang="en-US" dirty="0" smtClean="0"/>
+              <a:rPr lang="en-US" dirty="0"/>
               <a:t> </a:t>
             </a:r>
             <a:r>
-              <a:rPr lang="en-US" dirty="0" err="1" smtClean="0"/>
+              <a:rPr lang="en-US" dirty="0" err="1"/>
               <a:t>brugergrænseflader</a:t>
             </a:r>
-            <a:r>
-              <a:rPr lang="en-US" dirty="0" smtClean="0"/>
-              <a:t/>
-            </a:r>
             <a:br>
-              <a:rPr lang="en-US" dirty="0" smtClean="0"/>
+              <a:rPr lang="en-US" dirty="0"/>
             </a:br>
             <a:r>
-              <a:rPr lang="en-US" dirty="0" err="1" smtClean="0"/>
+              <a:rPr lang="en-US" dirty="0" err="1"/>
               <a:t>i</a:t>
             </a:r>
             <a:r>
-              <a:rPr lang="en-US" dirty="0" smtClean="0"/>
+              <a:rPr lang="en-US" dirty="0"/>
               <a:t> F#</a:t>
             </a:r>
-            <a:endParaRPr lang="en-US" dirty="0"/>
           </a:p>
         </p:txBody>
       </p:sp>
@@ -3402,33 +3374,32 @@
           <a:lstStyle/>
           <a:p>
             <a:r>
-              <a:rPr lang="en-US" dirty="0" err="1" smtClean="0"/>
+              <a:rPr lang="en-US" dirty="0" err="1"/>
               <a:t>Programmering</a:t>
             </a:r>
             <a:r>
-              <a:rPr lang="en-US" dirty="0" smtClean="0"/>
+              <a:rPr lang="en-US" dirty="0"/>
               <a:t> </a:t>
             </a:r>
             <a:r>
-              <a:rPr lang="en-US" dirty="0" err="1" smtClean="0"/>
+              <a:rPr lang="en-US" dirty="0" err="1"/>
               <a:t>og</a:t>
             </a:r>
             <a:r>
-              <a:rPr lang="en-US" dirty="0" smtClean="0"/>
+              <a:rPr lang="en-US" dirty="0"/>
               <a:t> </a:t>
             </a:r>
             <a:r>
-              <a:rPr lang="en-US" dirty="0" err="1" smtClean="0"/>
+              <a:rPr lang="en-US" dirty="0" err="1"/>
               <a:t>problemløsning</a:t>
             </a:r>
-            <a:endParaRPr lang="en-US" dirty="0" smtClean="0"/>
-          </a:p>
-          <a:p>
-            <a:r>
-              <a:rPr lang="en-US" dirty="0" smtClean="0"/>
+            <a:endParaRPr lang="en-US" dirty="0"/>
+          </a:p>
+          <a:p>
+            <a:r>
+              <a:rPr lang="en-US" dirty="0"/>
               <a:t>Jon Sporring</a:t>
             </a:r>
-            <a:endParaRPr lang="en-US" dirty="0"/>
           </a:p>
         </p:txBody>
       </p:sp>
@@ -3442,143 +3413,10 @@
   <p:clrMapOvr>
     <a:masterClrMapping/>
   </p:clrMapOvr>
-  <p:timing>
-    <p:tnLst>
-      <p:par>
-        <p:cTn id="1" dur="indefinite" restart="never" nodeType="tmRoot"/>
-      </p:par>
-    </p:tnLst>
-  </p:timing>
 </p:sld>
 </file>
 
 <file path=ppt/slides/slide10.xml><?xml version="1.0" encoding="utf-8"?>
-<p:sld xmlns:a="http://schemas.openxmlformats.org/drawingml/2006/main" xmlns:r="http://schemas.openxmlformats.org/officeDocument/2006/relationships" xmlns:p="http://schemas.openxmlformats.org/presentationml/2006/main">
-  <p:cSld>
-    <p:spTree>
-      <p:nvGrpSpPr>
-        <p:cNvPr id="1" name=""/>
-        <p:cNvGrpSpPr/>
-        <p:nvPr/>
-      </p:nvGrpSpPr>
-      <p:grpSpPr>
-        <a:xfrm>
-          <a:off x="0" y="0"/>
-          <a:ext cx="0" cy="0"/>
-          <a:chOff x="0" y="0"/>
-          <a:chExt cx="0" cy="0"/>
-        </a:xfrm>
-      </p:grpSpPr>
-      <p:sp>
-        <p:nvSpPr>
-          <p:cNvPr id="2" name="Title 1"/>
-          <p:cNvSpPr>
-            <a:spLocks noGrp="1"/>
-          </p:cNvSpPr>
-          <p:nvPr>
-            <p:ph type="title"/>
-          </p:nvPr>
-        </p:nvSpPr>
-        <p:spPr>
-          <a:xfrm>
-            <a:off x="198120" y="250825"/>
-            <a:ext cx="4762500" cy="594995"/>
-          </a:xfrm>
-        </p:spPr>
-        <p:txBody>
-          <a:bodyPr>
-            <a:normAutofit fontScale="90000"/>
-          </a:bodyPr>
-          <a:lstStyle/>
-          <a:p>
-            <a:r>
-              <a:rPr lang="en-US" dirty="0" err="1" smtClean="0"/>
-              <a:t>View+control</a:t>
-            </a:r>
-            <a:endParaRPr lang="en-US" dirty="0"/>
-          </a:p>
-        </p:txBody>
-      </p:sp>
-      <p:pic>
-        <p:nvPicPr>
-          <p:cNvPr id="4" name="Content Placeholder 3"/>
-          <p:cNvPicPr>
-            <a:picLocks noGrp="1" noChangeAspect="1"/>
-          </p:cNvPicPr>
-          <p:nvPr>
-            <p:ph idx="1"/>
-          </p:nvPr>
-        </p:nvPicPr>
-        <p:blipFill>
-          <a:blip r:embed="rId2">
-            <a:extLst>
-              <a:ext uri="{28A0092B-C50C-407E-A947-70E740481C1C}">
-                <a14:useLocalDpi xmlns:a14="http://schemas.microsoft.com/office/drawing/2010/main" val="0"/>
-              </a:ext>
-            </a:extLst>
-          </a:blip>
-          <a:stretch>
-            <a:fillRect/>
-          </a:stretch>
-        </p:blipFill>
-        <p:spPr>
-          <a:xfrm>
-            <a:off x="198120" y="2079784"/>
-            <a:ext cx="8483600" cy="4254500"/>
-          </a:xfrm>
-        </p:spPr>
-      </p:pic>
-      <p:pic>
-        <p:nvPicPr>
-          <p:cNvPr id="5" name="Picture 4"/>
-          <p:cNvPicPr>
-            <a:picLocks noChangeAspect="1"/>
-          </p:cNvPicPr>
-          <p:nvPr/>
-        </p:nvPicPr>
-        <p:blipFill>
-          <a:blip r:embed="rId3">
-            <a:extLst>
-              <a:ext uri="{28A0092B-C50C-407E-A947-70E740481C1C}">
-                <a14:useLocalDpi xmlns:a14="http://schemas.microsoft.com/office/drawing/2010/main" val="0"/>
-              </a:ext>
-            </a:extLst>
-          </a:blip>
-          <a:stretch>
-            <a:fillRect/>
-          </a:stretch>
-        </p:blipFill>
-        <p:spPr>
-          <a:xfrm>
-            <a:off x="3695700" y="250825"/>
-            <a:ext cx="8496300" cy="2362200"/>
-          </a:xfrm>
-          <a:prstGeom prst="rect">
-            <a:avLst/>
-          </a:prstGeom>
-        </p:spPr>
-      </p:pic>
-    </p:spTree>
-    <p:extLst>
-      <p:ext uri="{BB962C8B-B14F-4D97-AF65-F5344CB8AC3E}">
-        <p14:creationId xmlns:p14="http://schemas.microsoft.com/office/powerpoint/2010/main" val="631817660"/>
-      </p:ext>
-    </p:extLst>
-  </p:cSld>
-  <p:clrMapOvr>
-    <a:masterClrMapping/>
-  </p:clrMapOvr>
-  <p:timing>
-    <p:tnLst>
-      <p:par>
-        <p:cTn id="1" dur="indefinite" restart="never" nodeType="tmRoot"/>
-      </p:par>
-    </p:tnLst>
-  </p:timing>
-</p:sld>
-</file>
-
-<file path=ppt/slides/slide11.xml><?xml version="1.0" encoding="utf-8"?>
 <p:sld xmlns:a="http://schemas.openxmlformats.org/drawingml/2006/main" xmlns:r="http://schemas.openxmlformats.org/officeDocument/2006/relationships" xmlns:p="http://schemas.openxmlformats.org/presentationml/2006/main">
   <p:cSld>
     <p:spTree>
@@ -3656,6 +3494,453 @@
 </p:sld>
 </file>
 
+<file path=ppt/slides/slide11.xml><?xml version="1.0" encoding="utf-8"?>
+<p:sld xmlns:a="http://schemas.openxmlformats.org/drawingml/2006/main" xmlns:r="http://schemas.openxmlformats.org/officeDocument/2006/relationships" xmlns:p="http://schemas.openxmlformats.org/presentationml/2006/main">
+  <p:cSld>
+    <p:spTree>
+      <p:nvGrpSpPr>
+        <p:cNvPr id="1" name=""/>
+        <p:cNvGrpSpPr/>
+        <p:nvPr/>
+      </p:nvGrpSpPr>
+      <p:grpSpPr>
+        <a:xfrm>
+          <a:off x="0" y="0"/>
+          <a:ext cx="0" cy="0"/>
+          <a:chOff x="0" y="0"/>
+          <a:chExt cx="0" cy="0"/>
+        </a:xfrm>
+      </p:grpSpPr>
+      <p:sp>
+        <p:nvSpPr>
+          <p:cNvPr id="2" name="Title 1"/>
+          <p:cNvSpPr>
+            <a:spLocks noGrp="1"/>
+          </p:cNvSpPr>
+          <p:nvPr>
+            <p:ph type="title"/>
+          </p:nvPr>
+        </p:nvSpPr>
+        <p:spPr/>
+        <p:txBody>
+          <a:bodyPr/>
+          <a:lstStyle/>
+          <a:p>
+            <a:r>
+              <a:rPr lang="en-US" dirty="0"/>
+              <a:t>Event-</a:t>
+            </a:r>
+            <a:r>
+              <a:rPr lang="en-US" dirty="0" err="1"/>
+              <a:t>styret</a:t>
+            </a:r>
+            <a:r>
+              <a:rPr lang="en-US" dirty="0"/>
+              <a:t> </a:t>
+            </a:r>
+            <a:r>
+              <a:rPr lang="en-US" dirty="0" err="1"/>
+              <a:t>programmering</a:t>
+            </a:r>
+            <a:endParaRPr lang="en-US" dirty="0"/>
+          </a:p>
+        </p:txBody>
+      </p:sp>
+      <p:graphicFrame>
+        <p:nvGraphicFramePr>
+          <p:cNvPr id="4" name="Content Placeholder 3"/>
+          <p:cNvGraphicFramePr>
+            <a:graphicFrameLocks noGrp="1"/>
+          </p:cNvGraphicFramePr>
+          <p:nvPr>
+            <p:ph idx="1"/>
+            <p:extLst>
+              <p:ext uri="{D42A27DB-BD31-4B8C-83A1-F6EECF244321}">
+                <p14:modId xmlns:p14="http://schemas.microsoft.com/office/powerpoint/2010/main" val="2125566511"/>
+              </p:ext>
+            </p:extLst>
+          </p:nvPr>
+        </p:nvGraphicFramePr>
+        <p:xfrm>
+          <a:off x="838200" y="1825625"/>
+          <a:ext cx="10515600" cy="2966720"/>
+        </p:xfrm>
+        <a:graphic>
+          <a:graphicData uri="http://schemas.openxmlformats.org/drawingml/2006/table">
+            <a:tbl>
+              <a:tblPr firstRow="1" bandRow="1">
+                <a:tableStyleId>{5C22544A-7EE6-4342-B048-85BDC9FD1C3A}</a:tableStyleId>
+              </a:tblPr>
+              <a:tblGrid>
+                <a:gridCol w="5257800">
+                  <a:extLst>
+                    <a:ext uri="{9D8B030D-6E8A-4147-A177-3AD203B41FA5}">
+                      <a16:colId xmlns:a16="http://schemas.microsoft.com/office/drawing/2014/main" val="20000"/>
+                    </a:ext>
+                  </a:extLst>
+                </a:gridCol>
+                <a:gridCol w="5257800">
+                  <a:extLst>
+                    <a:ext uri="{9D8B030D-6E8A-4147-A177-3AD203B41FA5}">
+                      <a16:colId xmlns:a16="http://schemas.microsoft.com/office/drawing/2014/main" val="20001"/>
+                    </a:ext>
+                  </a:extLst>
+                </a:gridCol>
+              </a:tblGrid>
+              <a:tr h="370840">
+                <a:tc>
+                  <a:txBody>
+                    <a:bodyPr/>
+                    <a:lstStyle/>
+                    <a:p>
+                      <a:r>
+                        <a:rPr lang="da-DK" noProof="0" dirty="0" err="1"/>
+                        <a:t>Window</a:t>
+                      </a:r>
+                      <a:r>
+                        <a:rPr lang="da-DK" baseline="0" noProof="0" dirty="0"/>
+                        <a:t> </a:t>
+                      </a:r>
+                      <a:r>
+                        <a:rPr lang="da-DK" baseline="0" noProof="0" dirty="0" err="1"/>
+                        <a:t>callback</a:t>
+                      </a:r>
+                      <a:endParaRPr lang="da-DK" noProof="0" dirty="0"/>
+                    </a:p>
+                  </a:txBody>
+                  <a:tcPr/>
+                </a:tc>
+                <a:tc>
+                  <a:txBody>
+                    <a:bodyPr/>
+                    <a:lstStyle/>
+                    <a:p>
+                      <a:r>
+                        <a:rPr lang="da-DK" noProof="0" dirty="0"/>
+                        <a:t>Kaldes når brugeren ….</a:t>
+                      </a:r>
+                    </a:p>
+                  </a:txBody>
+                  <a:tcPr/>
+                </a:tc>
+                <a:extLst>
+                  <a:ext uri="{0D108BD9-81ED-4DB2-BD59-A6C34878D82A}">
+                    <a16:rowId xmlns:a16="http://schemas.microsoft.com/office/drawing/2014/main" val="10000"/>
+                  </a:ext>
+                </a:extLst>
+              </a:tr>
+              <a:tr h="370840">
+                <a:tc>
+                  <a:txBody>
+                    <a:bodyPr/>
+                    <a:lstStyle/>
+                    <a:p>
+                      <a:r>
+                        <a:rPr lang="da-DK" noProof="0" dirty="0" err="1"/>
+                        <a:t>Move</a:t>
+                      </a:r>
+                      <a:endParaRPr lang="da-DK" noProof="0" dirty="0"/>
+                    </a:p>
+                  </a:txBody>
+                  <a:tcPr/>
+                </a:tc>
+                <a:tc>
+                  <a:txBody>
+                    <a:bodyPr/>
+                    <a:lstStyle/>
+                    <a:p>
+                      <a:r>
+                        <a:rPr lang="da-DK" baseline="0" noProof="0" dirty="0"/>
+                        <a:t>flytter vinduet</a:t>
+                      </a:r>
+                      <a:endParaRPr lang="da-DK" noProof="0" dirty="0"/>
+                    </a:p>
+                  </a:txBody>
+                  <a:tcPr/>
+                </a:tc>
+                <a:extLst>
+                  <a:ext uri="{0D108BD9-81ED-4DB2-BD59-A6C34878D82A}">
+                    <a16:rowId xmlns:a16="http://schemas.microsoft.com/office/drawing/2014/main" val="10001"/>
+                  </a:ext>
+                </a:extLst>
+              </a:tr>
+              <a:tr h="370840">
+                <a:tc>
+                  <a:txBody>
+                    <a:bodyPr/>
+                    <a:lstStyle/>
+                    <a:p>
+                      <a:r>
+                        <a:rPr lang="da-DK" noProof="0" dirty="0" err="1"/>
+                        <a:t>Resize</a:t>
+                      </a:r>
+                      <a:endParaRPr lang="da-DK" noProof="0" dirty="0"/>
+                    </a:p>
+                  </a:txBody>
+                  <a:tcPr/>
+                </a:tc>
+                <a:tc>
+                  <a:txBody>
+                    <a:bodyPr/>
+                    <a:lstStyle/>
+                    <a:p>
+                      <a:r>
+                        <a:rPr lang="da-DK" baseline="0" noProof="0" dirty="0"/>
+                        <a:t>ændrer </a:t>
+                      </a:r>
+                      <a:r>
+                        <a:rPr lang="da-DK" noProof="0" dirty="0"/>
+                        <a:t>vinduet</a:t>
+                      </a:r>
+                      <a:r>
+                        <a:rPr lang="da-DK" baseline="0" noProof="0" dirty="0"/>
+                        <a:t>s størrelse</a:t>
+                      </a:r>
+                      <a:endParaRPr lang="da-DK" noProof="0" dirty="0"/>
+                    </a:p>
+                  </a:txBody>
+                  <a:tcPr/>
+                </a:tc>
+                <a:extLst>
+                  <a:ext uri="{0D108BD9-81ED-4DB2-BD59-A6C34878D82A}">
+                    <a16:rowId xmlns:a16="http://schemas.microsoft.com/office/drawing/2014/main" val="10002"/>
+                  </a:ext>
+                </a:extLst>
+              </a:tr>
+              <a:tr h="370840">
+                <a:tc>
+                  <a:txBody>
+                    <a:bodyPr/>
+                    <a:lstStyle/>
+                    <a:p>
+                      <a:r>
+                        <a:rPr lang="da-DK" noProof="0" dirty="0" err="1"/>
+                        <a:t>MouseMove</a:t>
+                      </a:r>
+                      <a:endParaRPr lang="da-DK" noProof="0" dirty="0"/>
+                    </a:p>
+                  </a:txBody>
+                  <a:tcPr/>
+                </a:tc>
+                <a:tc>
+                  <a:txBody>
+                    <a:bodyPr/>
+                    <a:lstStyle/>
+                    <a:p>
+                      <a:r>
+                        <a:rPr lang="da-DK" noProof="0" dirty="0"/>
+                        <a:t>flytter musen i forhold til et aktivt vindue</a:t>
+                      </a:r>
+                    </a:p>
+                  </a:txBody>
+                  <a:tcPr/>
+                </a:tc>
+                <a:extLst>
+                  <a:ext uri="{0D108BD9-81ED-4DB2-BD59-A6C34878D82A}">
+                    <a16:rowId xmlns:a16="http://schemas.microsoft.com/office/drawing/2014/main" val="10003"/>
+                  </a:ext>
+                </a:extLst>
+              </a:tr>
+              <a:tr h="370840">
+                <a:tc>
+                  <a:txBody>
+                    <a:bodyPr/>
+                    <a:lstStyle/>
+                    <a:p>
+                      <a:r>
+                        <a:rPr lang="da-DK" noProof="0" dirty="0" err="1"/>
+                        <a:t>MouseDown</a:t>
+                      </a:r>
+                      <a:endParaRPr lang="da-DK" noProof="0" dirty="0"/>
+                    </a:p>
+                  </a:txBody>
+                  <a:tcPr/>
+                </a:tc>
+                <a:tc>
+                  <a:txBody>
+                    <a:bodyPr/>
+                    <a:lstStyle/>
+                    <a:p>
+                      <a:r>
+                        <a:rPr lang="da-DK" noProof="0" dirty="0"/>
+                        <a:t>trykker</a:t>
+                      </a:r>
+                      <a:r>
+                        <a:rPr lang="da-DK" baseline="0" noProof="0" dirty="0"/>
+                        <a:t> venstre musetast ned</a:t>
+                      </a:r>
+                      <a:endParaRPr lang="da-DK" noProof="0" dirty="0"/>
+                    </a:p>
+                  </a:txBody>
+                  <a:tcPr/>
+                </a:tc>
+                <a:extLst>
+                  <a:ext uri="{0D108BD9-81ED-4DB2-BD59-A6C34878D82A}">
+                    <a16:rowId xmlns:a16="http://schemas.microsoft.com/office/drawing/2014/main" val="10004"/>
+                  </a:ext>
+                </a:extLst>
+              </a:tr>
+              <a:tr h="370840">
+                <a:tc>
+                  <a:txBody>
+                    <a:bodyPr/>
+                    <a:lstStyle/>
+                    <a:p>
+                      <a:r>
+                        <a:rPr lang="da-DK" noProof="0" dirty="0" err="1"/>
+                        <a:t>MouseUp</a:t>
+                      </a:r>
+                      <a:endParaRPr lang="da-DK" noProof="0" dirty="0"/>
+                    </a:p>
+                  </a:txBody>
+                  <a:tcPr/>
+                </a:tc>
+                <a:tc>
+                  <a:txBody>
+                    <a:bodyPr/>
+                    <a:lstStyle/>
+                    <a:p>
+                      <a:r>
+                        <a:rPr lang="da-DK" noProof="0" dirty="0"/>
+                        <a:t>slipper venstre musetast</a:t>
+                      </a:r>
+                    </a:p>
+                  </a:txBody>
+                  <a:tcPr/>
+                </a:tc>
+                <a:extLst>
+                  <a:ext uri="{0D108BD9-81ED-4DB2-BD59-A6C34878D82A}">
+                    <a16:rowId xmlns:a16="http://schemas.microsoft.com/office/drawing/2014/main" val="10005"/>
+                  </a:ext>
+                </a:extLst>
+              </a:tr>
+              <a:tr h="370840">
+                <a:tc>
+                  <a:txBody>
+                    <a:bodyPr/>
+                    <a:lstStyle/>
+                    <a:p>
+                      <a:r>
+                        <a:rPr lang="da-DK" noProof="0" dirty="0" err="1"/>
+                        <a:t>MouseClick</a:t>
+                      </a:r>
+                      <a:endParaRPr lang="da-DK" noProof="0" dirty="0"/>
+                    </a:p>
+                  </a:txBody>
+                  <a:tcPr/>
+                </a:tc>
+                <a:tc>
+                  <a:txBody>
+                    <a:bodyPr/>
+                    <a:lstStyle/>
+                    <a:p>
+                      <a:r>
+                        <a:rPr lang="da-DK" noProof="0" dirty="0"/>
+                        <a:t>klikker i</a:t>
+                      </a:r>
+                      <a:r>
+                        <a:rPr lang="da-DK" baseline="0" noProof="0" dirty="0"/>
+                        <a:t> et vindue</a:t>
+                      </a:r>
+                      <a:endParaRPr lang="da-DK" noProof="0" dirty="0"/>
+                    </a:p>
+                  </a:txBody>
+                  <a:tcPr/>
+                </a:tc>
+                <a:extLst>
+                  <a:ext uri="{0D108BD9-81ED-4DB2-BD59-A6C34878D82A}">
+                    <a16:rowId xmlns:a16="http://schemas.microsoft.com/office/drawing/2014/main" val="10006"/>
+                  </a:ext>
+                </a:extLst>
+              </a:tr>
+              <a:tr h="370840">
+                <a:tc>
+                  <a:txBody>
+                    <a:bodyPr/>
+                    <a:lstStyle/>
+                    <a:p>
+                      <a:r>
+                        <a:rPr lang="da-DK" noProof="0" dirty="0" err="1"/>
+                        <a:t>KeyPress</a:t>
+                      </a:r>
+                      <a:endParaRPr lang="da-DK" noProof="0" dirty="0"/>
+                    </a:p>
+                  </a:txBody>
+                  <a:tcPr/>
+                </a:tc>
+                <a:tc>
+                  <a:txBody>
+                    <a:bodyPr/>
+                    <a:lstStyle/>
+                    <a:p>
+                      <a:r>
+                        <a:rPr lang="da-DK" noProof="0" dirty="0"/>
+                        <a:t>trykker</a:t>
+                      </a:r>
+                      <a:r>
+                        <a:rPr lang="da-DK" baseline="0" noProof="0" dirty="0"/>
+                        <a:t> på en tast</a:t>
+                      </a:r>
+                      <a:endParaRPr lang="da-DK" noProof="0" dirty="0"/>
+                    </a:p>
+                  </a:txBody>
+                  <a:tcPr/>
+                </a:tc>
+                <a:extLst>
+                  <a:ext uri="{0D108BD9-81ED-4DB2-BD59-A6C34878D82A}">
+                    <a16:rowId xmlns:a16="http://schemas.microsoft.com/office/drawing/2014/main" val="10007"/>
+                  </a:ext>
+                </a:extLst>
+              </a:tr>
+            </a:tbl>
+          </a:graphicData>
+        </a:graphic>
+      </p:graphicFrame>
+      <p:sp>
+        <p:nvSpPr>
+          <p:cNvPr id="6" name="TextBox 5"/>
+          <p:cNvSpPr txBox="1"/>
+          <p:nvPr/>
+        </p:nvSpPr>
+        <p:spPr>
+          <a:xfrm>
+            <a:off x="4451684" y="5823284"/>
+            <a:ext cx="1851212" cy="369332"/>
+          </a:xfrm>
+          <a:prstGeom prst="rect">
+            <a:avLst/>
+          </a:prstGeom>
+          <a:noFill/>
+        </p:spPr>
+        <p:txBody>
+          <a:bodyPr wrap="none" rtlCol="0">
+            <a:spAutoFit/>
+          </a:bodyPr>
+          <a:lstStyle/>
+          <a:p>
+            <a:r>
+              <a:rPr lang="en-US" dirty="0">
+                <a:hlinkClick r:id="rId2" action="ppaction://hlinkfile"/>
+              </a:rPr>
+              <a:t>windowEvents.fsx</a:t>
+            </a:r>
+            <a:endParaRPr lang="en-US" dirty="0"/>
+          </a:p>
+        </p:txBody>
+      </p:sp>
+    </p:spTree>
+    <p:extLst>
+      <p:ext uri="{BB962C8B-B14F-4D97-AF65-F5344CB8AC3E}">
+        <p14:creationId xmlns:p14="http://schemas.microsoft.com/office/powerpoint/2010/main" val="1956404796"/>
+      </p:ext>
+    </p:extLst>
+  </p:cSld>
+  <p:clrMapOvr>
+    <a:masterClrMapping/>
+  </p:clrMapOvr>
+</p:sld>
+</file>
+
 <file path=ppt/slides/slide12.xml><?xml version="1.0" encoding="utf-8"?>
 <p:sld xmlns:a="http://schemas.openxmlformats.org/drawingml/2006/main" xmlns:r="http://schemas.openxmlformats.org/officeDocument/2006/relationships" xmlns:p="http://schemas.openxmlformats.org/presentationml/2006/main">
   <p:cSld>
@@ -3689,28 +3974,19 @@
           <a:lstStyle/>
           <a:p>
             <a:r>
-              <a:rPr lang="en-US" dirty="0" smtClean="0"/>
-              <a:t>Event-</a:t>
-            </a:r>
-            <a:r>
-              <a:rPr lang="en-US" dirty="0" err="1" smtClean="0"/>
-              <a:t>styret</a:t>
-            </a:r>
-            <a:r>
-              <a:rPr lang="en-US" dirty="0" smtClean="0"/>
-              <a:t> </a:t>
-            </a:r>
-            <a:r>
-              <a:rPr lang="en-US" dirty="0" err="1" smtClean="0"/>
-              <a:t>programmering</a:t>
-            </a:r>
-            <a:endParaRPr lang="en-US" dirty="0"/>
+              <a:rPr lang="en-US" dirty="0" err="1"/>
+              <a:t>DateTime</a:t>
+            </a:r>
+            <a:r>
+              <a:rPr lang="en-US" dirty="0"/>
+              <a:t> Class</a:t>
+            </a:r>
           </a:p>
         </p:txBody>
       </p:sp>
       <p:graphicFrame>
         <p:nvGraphicFramePr>
-          <p:cNvPr id="4" name="Content Placeholder 3"/>
+          <p:cNvPr id="7" name="Content Placeholder 6"/>
           <p:cNvGraphicFramePr>
             <a:graphicFrameLocks noGrp="1"/>
           </p:cNvGraphicFramePr>
@@ -3718,14 +3994,14 @@
             <p:ph idx="1"/>
             <p:extLst>
               <p:ext uri="{D42A27DB-BD31-4B8C-83A1-F6EECF244321}">
-                <p14:modId xmlns:p14="http://schemas.microsoft.com/office/powerpoint/2010/main" val="2125566511"/>
+                <p14:modId xmlns:p14="http://schemas.microsoft.com/office/powerpoint/2010/main" val="674680834"/>
               </p:ext>
             </p:extLst>
           </p:nvPr>
         </p:nvGraphicFramePr>
         <p:xfrm>
           <a:off x="838200" y="1825625"/>
-          <a:ext cx="10515600" cy="2966720"/>
+          <a:ext cx="10515600" cy="3235960"/>
         </p:xfrm>
         <a:graphic>
           <a:graphicData uri="http://schemas.openxmlformats.org/drawingml/2006/table">
@@ -3734,8 +4010,20 @@
                 <a:tableStyleId>{5C22544A-7EE6-4342-B048-85BDC9FD1C3A}</a:tableStyleId>
               </a:tblPr>
               <a:tblGrid>
-                <a:gridCol w="5257800"/>
-                <a:gridCol w="5257800"/>
+                <a:gridCol w="5257800">
+                  <a:extLst>
+                    <a:ext uri="{9D8B030D-6E8A-4147-A177-3AD203B41FA5}">
+                      <a16:colId xmlns:a16="http://schemas.microsoft.com/office/drawing/2014/main" val="20000"/>
+                    </a:ext>
+                  </a:extLst>
+                </a:gridCol>
+                <a:gridCol w="5257800">
+                  <a:extLst>
+                    <a:ext uri="{9D8B030D-6E8A-4147-A177-3AD203B41FA5}">
+                      <a16:colId xmlns:a16="http://schemas.microsoft.com/office/drawing/2014/main" val="20001"/>
+                    </a:ext>
+                  </a:extLst>
+                </a:gridCol>
               </a:tblGrid>
               <a:tr h="370840">
                 <a:tc>
@@ -3744,18 +4032,9 @@
                     <a:lstStyle/>
                     <a:p>
                       <a:r>
-                        <a:rPr lang="da-DK" noProof="0" dirty="0" err="1" smtClean="0"/>
-                        <a:t>Window</a:t>
+                        <a:rPr lang="en-US" dirty="0"/>
+                        <a:t>Properties</a:t>
                       </a:r>
-                      <a:r>
-                        <a:rPr lang="da-DK" baseline="0" noProof="0" dirty="0" smtClean="0"/>
-                        <a:t> </a:t>
-                      </a:r>
-                      <a:r>
-                        <a:rPr lang="da-DK" baseline="0" noProof="0" dirty="0" err="1" smtClean="0"/>
-                        <a:t>callback</a:t>
-                      </a:r>
-                      <a:endParaRPr lang="da-DK" noProof="0" dirty="0"/>
                     </a:p>
                   </a:txBody>
                   <a:tcPr/>
@@ -3766,14 +4045,18 @@
                     <a:lstStyle/>
                     <a:p>
                       <a:r>
-                        <a:rPr lang="da-DK" noProof="0" dirty="0" smtClean="0"/>
-                        <a:t>Kaldes når brugeren ….</a:t>
+                        <a:rPr lang="en-US" dirty="0"/>
+                        <a:t>Description</a:t>
                       </a:r>
-                      <a:endParaRPr lang="da-DK" noProof="0" dirty="0"/>
                     </a:p>
                   </a:txBody>
                   <a:tcPr/>
                 </a:tc>
+                <a:extLst>
+                  <a:ext uri="{0D108BD9-81ED-4DB2-BD59-A6C34878D82A}">
+                    <a16:rowId xmlns:a16="http://schemas.microsoft.com/office/drawing/2014/main" val="10000"/>
+                  </a:ext>
+                </a:extLst>
               </a:tr>
               <a:tr h="370840">
                 <a:tc>
@@ -3782,10 +4065,9 @@
                     <a:lstStyle/>
                     <a:p>
                       <a:r>
-                        <a:rPr lang="da-DK" noProof="0" dirty="0" err="1" smtClean="0"/>
-                        <a:t>Move</a:t>
+                        <a:rPr lang="en-US" dirty="0"/>
+                        <a:t>Day</a:t>
                       </a:r>
-                      <a:endParaRPr lang="da-DK" noProof="0" dirty="0"/>
                     </a:p>
                   </a:txBody>
                   <a:tcPr/>
@@ -3796,14 +4078,23 @@
                     <a:lstStyle/>
                     <a:p>
                       <a:r>
-                        <a:rPr lang="da-DK" baseline="0" noProof="0" dirty="0" smtClean="0"/>
-                        <a:t>flytter vinduet</a:t>
+                        <a:rPr lang="en-US" dirty="0"/>
+                        <a:t>The</a:t>
                       </a:r>
-                      <a:endParaRPr lang="da-DK" noProof="0" dirty="0"/>
+                      <a:r>
+                        <a:rPr lang="en-US" baseline="0" dirty="0"/>
+                        <a:t> day of month as a number (0..31)</a:t>
+                      </a:r>
+                      <a:endParaRPr lang="en-US" dirty="0"/>
                     </a:p>
                   </a:txBody>
                   <a:tcPr/>
                 </a:tc>
+                <a:extLst>
+                  <a:ext uri="{0D108BD9-81ED-4DB2-BD59-A6C34878D82A}">
+                    <a16:rowId xmlns:a16="http://schemas.microsoft.com/office/drawing/2014/main" val="10001"/>
+                  </a:ext>
+                </a:extLst>
               </a:tr>
               <a:tr h="370840">
                 <a:tc>
@@ -3812,10 +4103,9 @@
                     <a:lstStyle/>
                     <a:p>
                       <a:r>
-                        <a:rPr lang="da-DK" noProof="0" dirty="0" err="1" smtClean="0"/>
-                        <a:t>Resize</a:t>
+                        <a:rPr lang="en-US" dirty="0"/>
+                        <a:t>Hour</a:t>
                       </a:r>
-                      <a:endParaRPr lang="da-DK" noProof="0" dirty="0"/>
                     </a:p>
                   </a:txBody>
                   <a:tcPr/>
@@ -3826,22 +4116,18 @@
                     <a:lstStyle/>
                     <a:p>
                       <a:r>
-                        <a:rPr lang="da-DK" baseline="0" noProof="0" dirty="0" smtClean="0"/>
-                        <a:t>ændrer </a:t>
+                        <a:rPr lang="en-US" dirty="0"/>
+                        <a:t>The hour in (0..23)</a:t>
                       </a:r>
-                      <a:r>
-                        <a:rPr lang="da-DK" noProof="0" dirty="0" smtClean="0"/>
-                        <a:t>vinduet</a:t>
-                      </a:r>
-                      <a:r>
-                        <a:rPr lang="da-DK" baseline="0" noProof="0" dirty="0" smtClean="0"/>
-                        <a:t>s størrelse</a:t>
-                      </a:r>
-                      <a:endParaRPr lang="da-DK" noProof="0" dirty="0"/>
                     </a:p>
                   </a:txBody>
                   <a:tcPr/>
                 </a:tc>
+                <a:extLst>
+                  <a:ext uri="{0D108BD9-81ED-4DB2-BD59-A6C34878D82A}">
+                    <a16:rowId xmlns:a16="http://schemas.microsoft.com/office/drawing/2014/main" val="10002"/>
+                  </a:ext>
+                </a:extLst>
               </a:tr>
               <a:tr h="370840">
                 <a:tc>
@@ -3850,10 +4136,9 @@
                     <a:lstStyle/>
                     <a:p>
                       <a:r>
-                        <a:rPr lang="da-DK" noProof="0" dirty="0" err="1" smtClean="0"/>
-                        <a:t>MouseMove</a:t>
+                        <a:rPr lang="en-US" dirty="0"/>
+                        <a:t>Millisecond</a:t>
                       </a:r>
-                      <a:endParaRPr lang="da-DK" noProof="0" dirty="0"/>
                     </a:p>
                   </a:txBody>
                   <a:tcPr/>
@@ -3864,14 +4149,18 @@
                     <a:lstStyle/>
                     <a:p>
                       <a:r>
-                        <a:rPr lang="da-DK" noProof="0" dirty="0" smtClean="0"/>
-                        <a:t>flytter musen i forhold til et aktivt vindue</a:t>
+                        <a:rPr lang="en-US" dirty="0"/>
+                        <a:t>The millisecond as a number (0..999)</a:t>
                       </a:r>
-                      <a:endParaRPr lang="da-DK" noProof="0" dirty="0"/>
                     </a:p>
                   </a:txBody>
                   <a:tcPr/>
                 </a:tc>
+                <a:extLst>
+                  <a:ext uri="{0D108BD9-81ED-4DB2-BD59-A6C34878D82A}">
+                    <a16:rowId xmlns:a16="http://schemas.microsoft.com/office/drawing/2014/main" val="10003"/>
+                  </a:ext>
+                </a:extLst>
               </a:tr>
               <a:tr h="370840">
                 <a:tc>
@@ -3880,10 +4169,9 @@
                     <a:lstStyle/>
                     <a:p>
                       <a:r>
-                        <a:rPr lang="da-DK" noProof="0" dirty="0" err="1" smtClean="0"/>
-                        <a:t>MouseDown</a:t>
+                        <a:rPr lang="en-US" dirty="0"/>
+                        <a:t>Minute</a:t>
                       </a:r>
-                      <a:endParaRPr lang="da-DK" noProof="0" dirty="0"/>
                     </a:p>
                   </a:txBody>
                   <a:tcPr/>
@@ -3894,18 +4182,18 @@
                     <a:lstStyle/>
                     <a:p>
                       <a:r>
-                        <a:rPr lang="da-DK" noProof="0" dirty="0" smtClean="0"/>
-                        <a:t>trykker</a:t>
+                        <a:rPr lang="en-US" dirty="0"/>
+                        <a:t>The minute (0..59)</a:t>
                       </a:r>
-                      <a:r>
-                        <a:rPr lang="da-DK" baseline="0" noProof="0" dirty="0" smtClean="0"/>
-                        <a:t> venstre musetast ned</a:t>
-                      </a:r>
-                      <a:endParaRPr lang="da-DK" noProof="0" dirty="0"/>
                     </a:p>
                   </a:txBody>
                   <a:tcPr/>
                 </a:tc>
+                <a:extLst>
+                  <a:ext uri="{0D108BD9-81ED-4DB2-BD59-A6C34878D82A}">
+                    <a16:rowId xmlns:a16="http://schemas.microsoft.com/office/drawing/2014/main" val="10004"/>
+                  </a:ext>
+                </a:extLst>
               </a:tr>
               <a:tr h="370840">
                 <a:tc>
@@ -3914,10 +4202,9 @@
                     <a:lstStyle/>
                     <a:p>
                       <a:r>
-                        <a:rPr lang="da-DK" noProof="0" dirty="0" err="1" smtClean="0"/>
-                        <a:t>MouseUp</a:t>
+                        <a:rPr lang="en-US" dirty="0"/>
+                        <a:t>Month</a:t>
                       </a:r>
-                      <a:endParaRPr lang="da-DK" noProof="0" dirty="0"/>
                     </a:p>
                   </a:txBody>
                   <a:tcPr/>
@@ -3928,14 +4215,23 @@
                     <a:lstStyle/>
                     <a:p>
                       <a:r>
-                        <a:rPr lang="da-DK" noProof="0" dirty="0" smtClean="0"/>
-                        <a:t>slipper venstre musetast</a:t>
+                        <a:rPr lang="en-US" dirty="0"/>
+                        <a:t>The month as</a:t>
                       </a:r>
-                      <a:endParaRPr lang="da-DK" noProof="0" dirty="0"/>
+                      <a:r>
+                        <a:rPr lang="en-US" baseline="0" dirty="0"/>
+                        <a:t> a number (1..12)</a:t>
+                      </a:r>
+                      <a:endParaRPr lang="en-US" dirty="0"/>
                     </a:p>
                   </a:txBody>
                   <a:tcPr/>
                 </a:tc>
+                <a:extLst>
+                  <a:ext uri="{0D108BD9-81ED-4DB2-BD59-A6C34878D82A}">
+                    <a16:rowId xmlns:a16="http://schemas.microsoft.com/office/drawing/2014/main" val="10005"/>
+                  </a:ext>
+                </a:extLst>
               </a:tr>
               <a:tr h="370840">
                 <a:tc>
@@ -3944,10 +4240,9 @@
                     <a:lstStyle/>
                     <a:p>
                       <a:r>
-                        <a:rPr lang="da-DK" noProof="0" dirty="0" err="1" smtClean="0"/>
-                        <a:t>MouseClick</a:t>
+                        <a:rPr lang="en-US" dirty="0"/>
+                        <a:t>Now</a:t>
                       </a:r>
-                      <a:endParaRPr lang="da-DK" noProof="0" dirty="0"/>
                     </a:p>
                   </a:txBody>
                   <a:tcPr/>
@@ -3958,18 +4253,31 @@
                     <a:lstStyle/>
                     <a:p>
                       <a:r>
-                        <a:rPr lang="da-DK" noProof="0" dirty="0" smtClean="0"/>
-                        <a:t>klikker i</a:t>
+                        <a:rPr lang="en-US" dirty="0"/>
+                        <a:t>Return</a:t>
                       </a:r>
                       <a:r>
-                        <a:rPr lang="da-DK" baseline="0" noProof="0" dirty="0" smtClean="0"/>
-                        <a:t> et vindue</a:t>
+                        <a:rPr lang="en-US" baseline="0" dirty="0"/>
+                        <a:t> a new </a:t>
                       </a:r>
-                      <a:endParaRPr lang="da-DK" noProof="0" dirty="0"/>
+                      <a:r>
+                        <a:rPr lang="en-US" baseline="0" dirty="0" err="1"/>
+                        <a:t>DateTime</a:t>
+                      </a:r>
+                      <a:r>
+                        <a:rPr lang="en-US" baseline="0" dirty="0"/>
+                        <a:t> instance of current time and date</a:t>
+                      </a:r>
+                      <a:endParaRPr lang="en-US" dirty="0"/>
                     </a:p>
                   </a:txBody>
                   <a:tcPr/>
                 </a:tc>
+                <a:extLst>
+                  <a:ext uri="{0D108BD9-81ED-4DB2-BD59-A6C34878D82A}">
+                    <a16:rowId xmlns:a16="http://schemas.microsoft.com/office/drawing/2014/main" val="10006"/>
+                  </a:ext>
+                </a:extLst>
               </a:tr>
               <a:tr h="370840">
                 <a:tc>
@@ -3978,10 +4286,9 @@
                     <a:lstStyle/>
                     <a:p>
                       <a:r>
-                        <a:rPr lang="da-DK" noProof="0" dirty="0" err="1" smtClean="0"/>
-                        <a:t>KeyPress</a:t>
+                        <a:rPr lang="en-US" dirty="0"/>
+                        <a:t>Year</a:t>
                       </a:r>
-                      <a:endParaRPr lang="da-DK" noProof="0" dirty="0"/>
                     </a:p>
                   </a:txBody>
                   <a:tcPr/>
@@ -3992,18 +4299,23 @@
                     <a:lstStyle/>
                     <a:p>
                       <a:r>
-                        <a:rPr lang="da-DK" noProof="0" dirty="0" smtClean="0"/>
-                        <a:t>trykker</a:t>
+                        <a:rPr lang="en-US" dirty="0"/>
+                        <a:t>The year (1</a:t>
                       </a:r>
                       <a:r>
-                        <a:rPr lang="da-DK" baseline="0" noProof="0" dirty="0" smtClean="0"/>
-                        <a:t> på en tast</a:t>
+                        <a:rPr lang="da-DK" dirty="0"/>
+                        <a:t>..9999)</a:t>
                       </a:r>
-                      <a:endParaRPr lang="da-DK" noProof="0" dirty="0"/>
+                      <a:endParaRPr lang="en-US" dirty="0"/>
                     </a:p>
                   </a:txBody>
                   <a:tcPr/>
                 </a:tc>
+                <a:extLst>
+                  <a:ext uri="{0D108BD9-81ED-4DB2-BD59-A6C34878D82A}">
+                    <a16:rowId xmlns:a16="http://schemas.microsoft.com/office/drawing/2014/main" val="10007"/>
+                  </a:ext>
+                </a:extLst>
               </a:tr>
             </a:tbl>
           </a:graphicData>
@@ -4011,14 +4323,14 @@
       </p:graphicFrame>
       <p:sp>
         <p:nvSpPr>
-          <p:cNvPr id="6" name="TextBox 5"/>
+          <p:cNvPr id="9" name="TextBox 8"/>
           <p:cNvSpPr txBox="1"/>
           <p:nvPr/>
         </p:nvSpPr>
         <p:spPr>
           <a:xfrm>
-            <a:off x="4451684" y="5823284"/>
-            <a:ext cx="1851212" cy="369332"/>
+            <a:off x="838200" y="5324168"/>
+            <a:ext cx="8209107" cy="923330"/>
           </a:xfrm>
           <a:prstGeom prst="rect">
             <a:avLst/>
@@ -4032,32 +4344,103 @@
           <a:lstStyle/>
           <a:p>
             <a:r>
-              <a:rPr lang="en-US" dirty="0">
-                <a:hlinkClick r:id="rId2" action="ppaction://hlinkfile"/>
-              </a:rPr>
-              <a:t>windowEvents.fsx</a:t>
+              <a:rPr lang="en-US" dirty="0"/>
+              <a:t>let now = </a:t>
+            </a:r>
+            <a:r>
+              <a:rPr lang="en-US" dirty="0" err="1"/>
+              <a:t>System.DateTime.Now</a:t>
+            </a:r>
+            <a:r>
+              <a:rPr lang="en-US" dirty="0"/>
+              <a:t>                                         </a:t>
+            </a:r>
+          </a:p>
+          <a:p>
+            <a:r>
+              <a:rPr lang="en-US" dirty="0" err="1"/>
+              <a:t>printf</a:t>
+            </a:r>
+            <a:r>
+              <a:rPr lang="en-US" dirty="0"/>
+              <a:t> "%d/%d/%d" </a:t>
+            </a:r>
+            <a:r>
+              <a:rPr lang="en-US" dirty="0" err="1"/>
+              <a:t>now.Year</a:t>
+            </a:r>
+            <a:r>
+              <a:rPr lang="en-US" dirty="0"/>
+              <a:t> </a:t>
+            </a:r>
+            <a:r>
+              <a:rPr lang="en-US" dirty="0" err="1"/>
+              <a:t>now.Month</a:t>
+            </a:r>
+            <a:r>
+              <a:rPr lang="en-US" dirty="0"/>
+              <a:t> </a:t>
+            </a:r>
+            <a:r>
+              <a:rPr lang="en-US" dirty="0" err="1"/>
+              <a:t>now.Day</a:t>
             </a:r>
             <a:endParaRPr lang="en-US" dirty="0"/>
+          </a:p>
+          <a:p>
+            <a:r>
+              <a:rPr lang="en-US" dirty="0" err="1"/>
+              <a:t>printfn</a:t>
+            </a:r>
+            <a:r>
+              <a:rPr lang="en-US" dirty="0"/>
+              <a:t> " %d:%02d:%02d:%03d" </a:t>
+            </a:r>
+            <a:r>
+              <a:rPr lang="en-US" dirty="0" err="1"/>
+              <a:t>now.Hour</a:t>
+            </a:r>
+            <a:r>
+              <a:rPr lang="en-US" dirty="0"/>
+              <a:t> </a:t>
+            </a:r>
+            <a:r>
+              <a:rPr lang="en-US" dirty="0" err="1"/>
+              <a:t>now.Minute</a:t>
+            </a:r>
+            <a:r>
+              <a:rPr lang="en-US" dirty="0"/>
+              <a:t> </a:t>
+            </a:r>
+            <a:r>
+              <a:rPr lang="en-US" dirty="0" err="1"/>
+              <a:t>now.Second</a:t>
+            </a:r>
+            <a:r>
+              <a:rPr lang="en-US" dirty="0"/>
+              <a:t> </a:t>
+            </a:r>
+            <a:r>
+              <a:rPr lang="en-US" dirty="0" err="1"/>
+              <a:t>now.Millisecond</a:t>
+            </a:r>
+            <a:r>
+              <a:rPr lang="en-US" dirty="0"/>
+              <a:t>;;</a:t>
+            </a:r>
           </a:p>
         </p:txBody>
       </p:sp>
     </p:spTree>
     <p:extLst>
       <p:ext uri="{BB962C8B-B14F-4D97-AF65-F5344CB8AC3E}">
-        <p14:creationId xmlns:p14="http://schemas.microsoft.com/office/powerpoint/2010/main" val="1956404796"/>
+        <p14:creationId xmlns:p14="http://schemas.microsoft.com/office/powerpoint/2010/main" val="390898925"/>
       </p:ext>
     </p:extLst>
   </p:cSld>
   <p:clrMapOvr>
     <a:masterClrMapping/>
   </p:clrMapOvr>
-  <p:timing>
-    <p:tnLst>
-      <p:par>
-        <p:cTn id="1" dur="indefinite" restart="never" nodeType="tmRoot"/>
-      </p:par>
-    </p:tnLst>
-  </p:timing>
 </p:sld>
 </file>
 
@@ -4080,472 +4463,271 @@
       </p:grpSpPr>
       <p:sp>
         <p:nvSpPr>
-          <p:cNvPr id="2" name="Title 1"/>
-          <p:cNvSpPr>
-            <a:spLocks noGrp="1"/>
-          </p:cNvSpPr>
-          <p:nvPr>
-            <p:ph type="title"/>
-          </p:nvPr>
-        </p:nvSpPr>
-        <p:spPr/>
+          <p:cNvPr id="3" name="Content Placeholder 2"/>
+          <p:cNvSpPr>
+            <a:spLocks noGrp="1"/>
+          </p:cNvSpPr>
+          <p:nvPr>
+            <p:ph idx="1"/>
+          </p:nvPr>
+        </p:nvSpPr>
+        <p:spPr>
+          <a:xfrm>
+            <a:off x="838200" y="1825625"/>
+            <a:ext cx="10515600" cy="2589213"/>
+          </a:xfrm>
+        </p:spPr>
+        <p:style>
+          <a:lnRef idx="2">
+            <a:schemeClr val="dk1"/>
+          </a:lnRef>
+          <a:fillRef idx="1">
+            <a:schemeClr val="lt1"/>
+          </a:fillRef>
+          <a:effectRef idx="0">
+            <a:schemeClr val="dk1"/>
+          </a:effectRef>
+          <a:fontRef idx="minor">
+            <a:schemeClr val="dk1"/>
+          </a:fontRef>
+        </p:style>
         <p:txBody>
           <a:bodyPr/>
           <a:lstStyle/>
           <a:p>
-            <a:r>
-              <a:rPr lang="en-US" dirty="0" err="1" smtClean="0"/>
-              <a:t>DateTime</a:t>
-            </a:r>
-            <a:r>
-              <a:rPr lang="en-US" dirty="0" smtClean="0"/>
-              <a:t> Class</a:t>
-            </a:r>
-            <a:endParaRPr lang="en-US" dirty="0"/>
-          </a:p>
-        </p:txBody>
-      </p:sp>
-      <p:graphicFrame>
-        <p:nvGraphicFramePr>
-          <p:cNvPr id="7" name="Content Placeholder 6"/>
-          <p:cNvGraphicFramePr>
-            <a:graphicFrameLocks noGrp="1"/>
-          </p:cNvGraphicFramePr>
-          <p:nvPr>
-            <p:ph idx="1"/>
-            <p:extLst>
-              <p:ext uri="{D42A27DB-BD31-4B8C-83A1-F6EECF244321}">
-                <p14:modId xmlns:p14="http://schemas.microsoft.com/office/powerpoint/2010/main" val="674680834"/>
-              </p:ext>
-            </p:extLst>
-          </p:nvPr>
-        </p:nvGraphicFramePr>
-        <p:xfrm>
-          <a:off x="838200" y="1825625"/>
-          <a:ext cx="10515600" cy="3235960"/>
-        </p:xfrm>
-        <a:graphic>
-          <a:graphicData uri="http://schemas.openxmlformats.org/drawingml/2006/table">
-            <a:tbl>
-              <a:tblPr firstRow="1" bandRow="1">
-                <a:tableStyleId>{5C22544A-7EE6-4342-B048-85BDC9FD1C3A}</a:tableStyleId>
-              </a:tblPr>
-              <a:tblGrid>
-                <a:gridCol w="5257800"/>
-                <a:gridCol w="5257800"/>
-              </a:tblGrid>
-              <a:tr h="370840">
-                <a:tc>
-                  <a:txBody>
-                    <a:bodyPr/>
-                    <a:lstStyle/>
-                    <a:p>
-                      <a:r>
-                        <a:rPr lang="en-US" dirty="0" smtClean="0"/>
-                        <a:t>Properties</a:t>
-                      </a:r>
-                      <a:endParaRPr lang="en-US" dirty="0"/>
-                    </a:p>
-                  </a:txBody>
-                  <a:tcPr/>
-                </a:tc>
-                <a:tc>
-                  <a:txBody>
-                    <a:bodyPr/>
-                    <a:lstStyle/>
-                    <a:p>
-                      <a:r>
-                        <a:rPr lang="en-US" dirty="0" smtClean="0"/>
-                        <a:t>Description</a:t>
-                      </a:r>
-                      <a:endParaRPr lang="en-US" dirty="0"/>
-                    </a:p>
-                  </a:txBody>
-                  <a:tcPr/>
-                </a:tc>
-              </a:tr>
-              <a:tr h="370840">
-                <a:tc>
-                  <a:txBody>
-                    <a:bodyPr/>
-                    <a:lstStyle/>
-                    <a:p>
-                      <a:r>
-                        <a:rPr lang="en-US" dirty="0" smtClean="0"/>
-                        <a:t>Day</a:t>
-                      </a:r>
-                      <a:endParaRPr lang="en-US" dirty="0"/>
-                    </a:p>
-                  </a:txBody>
-                  <a:tcPr/>
-                </a:tc>
-                <a:tc>
-                  <a:txBody>
-                    <a:bodyPr/>
-                    <a:lstStyle/>
-                    <a:p>
-                      <a:r>
-                        <a:rPr lang="en-US" dirty="0" smtClean="0"/>
-                        <a:t>The</a:t>
-                      </a:r>
-                      <a:r>
-                        <a:rPr lang="en-US" baseline="0" dirty="0" smtClean="0"/>
-                        <a:t> day of month as a number (0..31)</a:t>
-                      </a:r>
-                      <a:endParaRPr lang="en-US" dirty="0"/>
-                    </a:p>
-                  </a:txBody>
-                  <a:tcPr/>
-                </a:tc>
-              </a:tr>
-              <a:tr h="370840">
-                <a:tc>
-                  <a:txBody>
-                    <a:bodyPr/>
-                    <a:lstStyle/>
-                    <a:p>
-                      <a:r>
-                        <a:rPr lang="en-US" dirty="0" smtClean="0"/>
-                        <a:t>Hour</a:t>
-                      </a:r>
-                      <a:endParaRPr lang="en-US" dirty="0"/>
-                    </a:p>
-                  </a:txBody>
-                  <a:tcPr/>
-                </a:tc>
-                <a:tc>
-                  <a:txBody>
-                    <a:bodyPr/>
-                    <a:lstStyle/>
-                    <a:p>
-                      <a:r>
-                        <a:rPr lang="en-US" dirty="0" smtClean="0"/>
-                        <a:t>The hour in (0..23)</a:t>
-                      </a:r>
-                      <a:endParaRPr lang="en-US" dirty="0"/>
-                    </a:p>
-                  </a:txBody>
-                  <a:tcPr/>
-                </a:tc>
-              </a:tr>
-              <a:tr h="370840">
-                <a:tc>
-                  <a:txBody>
-                    <a:bodyPr/>
-                    <a:lstStyle/>
-                    <a:p>
-                      <a:r>
-                        <a:rPr lang="en-US" dirty="0" smtClean="0"/>
-                        <a:t>Millisecond</a:t>
-                      </a:r>
-                      <a:endParaRPr lang="en-US" dirty="0"/>
-                    </a:p>
-                  </a:txBody>
-                  <a:tcPr/>
-                </a:tc>
-                <a:tc>
-                  <a:txBody>
-                    <a:bodyPr/>
-                    <a:lstStyle/>
-                    <a:p>
-                      <a:r>
-                        <a:rPr lang="en-US" dirty="0" smtClean="0"/>
-                        <a:t>The millisecond as a number (0..999)</a:t>
-                      </a:r>
-                      <a:endParaRPr lang="en-US" dirty="0"/>
-                    </a:p>
-                  </a:txBody>
-                  <a:tcPr/>
-                </a:tc>
-              </a:tr>
-              <a:tr h="370840">
-                <a:tc>
-                  <a:txBody>
-                    <a:bodyPr/>
-                    <a:lstStyle/>
-                    <a:p>
-                      <a:r>
-                        <a:rPr lang="en-US" dirty="0" smtClean="0"/>
-                        <a:t>Minute</a:t>
-                      </a:r>
-                      <a:endParaRPr lang="en-US" dirty="0"/>
-                    </a:p>
-                  </a:txBody>
-                  <a:tcPr/>
-                </a:tc>
-                <a:tc>
-                  <a:txBody>
-                    <a:bodyPr/>
-                    <a:lstStyle/>
-                    <a:p>
-                      <a:r>
-                        <a:rPr lang="en-US" dirty="0" smtClean="0"/>
-                        <a:t>The minute (0..59)</a:t>
-                      </a:r>
-                      <a:endParaRPr lang="en-US" dirty="0"/>
-                    </a:p>
-                  </a:txBody>
-                  <a:tcPr/>
-                </a:tc>
-              </a:tr>
-              <a:tr h="370840">
-                <a:tc>
-                  <a:txBody>
-                    <a:bodyPr/>
-                    <a:lstStyle/>
-                    <a:p>
-                      <a:r>
-                        <a:rPr lang="en-US" dirty="0" smtClean="0"/>
-                        <a:t>Month</a:t>
-                      </a:r>
-                      <a:endParaRPr lang="en-US" dirty="0"/>
-                    </a:p>
-                  </a:txBody>
-                  <a:tcPr/>
-                </a:tc>
-                <a:tc>
-                  <a:txBody>
-                    <a:bodyPr/>
-                    <a:lstStyle/>
-                    <a:p>
-                      <a:r>
-                        <a:rPr lang="en-US" dirty="0" smtClean="0"/>
-                        <a:t>The month as</a:t>
-                      </a:r>
-                      <a:r>
-                        <a:rPr lang="en-US" baseline="0" dirty="0" smtClean="0"/>
-                        <a:t> a number (1..12)</a:t>
-                      </a:r>
-                      <a:endParaRPr lang="en-US" dirty="0"/>
-                    </a:p>
-                  </a:txBody>
-                  <a:tcPr/>
-                </a:tc>
-              </a:tr>
-              <a:tr h="370840">
-                <a:tc>
-                  <a:txBody>
-                    <a:bodyPr/>
-                    <a:lstStyle/>
-                    <a:p>
-                      <a:r>
-                        <a:rPr lang="en-US" dirty="0" smtClean="0"/>
-                        <a:t>Now</a:t>
-                      </a:r>
-                      <a:endParaRPr lang="en-US" dirty="0"/>
-                    </a:p>
-                  </a:txBody>
-                  <a:tcPr/>
-                </a:tc>
-                <a:tc>
-                  <a:txBody>
-                    <a:bodyPr/>
-                    <a:lstStyle/>
-                    <a:p>
-                      <a:r>
-                        <a:rPr lang="en-US" dirty="0" smtClean="0"/>
-                        <a:t>Return</a:t>
-                      </a:r>
-                      <a:r>
-                        <a:rPr lang="en-US" baseline="0" dirty="0" smtClean="0"/>
-                        <a:t> a new </a:t>
-                      </a:r>
-                      <a:r>
-                        <a:rPr lang="en-US" baseline="0" dirty="0" err="1" smtClean="0"/>
-                        <a:t>DateTime</a:t>
-                      </a:r>
-                      <a:r>
-                        <a:rPr lang="en-US" baseline="0" dirty="0" smtClean="0"/>
-                        <a:t> instance of current time and date</a:t>
-                      </a:r>
-                      <a:endParaRPr lang="en-US" dirty="0"/>
-                    </a:p>
-                  </a:txBody>
-                  <a:tcPr/>
-                </a:tc>
-              </a:tr>
-              <a:tr h="370840">
-                <a:tc>
-                  <a:txBody>
-                    <a:bodyPr/>
-                    <a:lstStyle/>
-                    <a:p>
-                      <a:r>
-                        <a:rPr lang="en-US" dirty="0" smtClean="0"/>
-                        <a:t>Year</a:t>
-                      </a:r>
-                      <a:endParaRPr lang="en-US" dirty="0"/>
-                    </a:p>
-                  </a:txBody>
-                  <a:tcPr/>
-                </a:tc>
-                <a:tc>
-                  <a:txBody>
-                    <a:bodyPr/>
-                    <a:lstStyle/>
-                    <a:p>
-                      <a:r>
-                        <a:rPr lang="en-US" dirty="0" smtClean="0"/>
-                        <a:t>The year (1</a:t>
-                      </a:r>
-                      <a:r>
-                        <a:rPr lang="da-DK" dirty="0" smtClean="0"/>
-                        <a:t>..9999)</a:t>
-                      </a:r>
-                      <a:endParaRPr lang="en-US" dirty="0"/>
-                    </a:p>
-                  </a:txBody>
-                  <a:tcPr/>
-                </a:tc>
-              </a:tr>
-            </a:tbl>
-          </a:graphicData>
-        </a:graphic>
-      </p:graphicFrame>
-      <p:sp>
-        <p:nvSpPr>
-          <p:cNvPr id="9" name="TextBox 8"/>
-          <p:cNvSpPr txBox="1"/>
-          <p:nvPr/>
-        </p:nvSpPr>
-        <p:spPr>
-          <a:xfrm>
-            <a:off x="838200" y="5324168"/>
-            <a:ext cx="8209107" cy="923330"/>
-          </a:xfrm>
-          <a:prstGeom prst="rect">
-            <a:avLst/>
-          </a:prstGeom>
-          <a:noFill/>
-        </p:spPr>
-        <p:txBody>
-          <a:bodyPr wrap="none" rtlCol="0">
-            <a:spAutoFit/>
-          </a:bodyPr>
+            <a:pPr marL="0" indent="0">
+              <a:buNone/>
+            </a:pPr>
+            <a:r>
+              <a:rPr lang="en-US" sz="1800" dirty="0">
+                <a:solidFill>
+                  <a:schemeClr val="tx1"/>
+                </a:solidFill>
+              </a:rPr>
+              <a:t>let t = new </a:t>
+            </a:r>
+            <a:r>
+              <a:rPr lang="en-US" sz="1800" dirty="0" err="1">
+                <a:solidFill>
+                  <a:schemeClr val="tx1"/>
+                </a:solidFill>
+              </a:rPr>
+              <a:t>System.Timers.Timer</a:t>
+            </a:r>
+            <a:r>
+              <a:rPr lang="en-US" sz="1800" dirty="0">
+                <a:solidFill>
+                  <a:schemeClr val="tx1"/>
+                </a:solidFill>
+              </a:rPr>
+              <a:t>()</a:t>
+            </a:r>
+          </a:p>
+          <a:p>
+            <a:pPr marL="0" indent="0">
+              <a:buNone/>
+            </a:pPr>
+            <a:r>
+              <a:rPr lang="mr-IN" sz="1800" dirty="0" err="1">
+                <a:solidFill>
+                  <a:schemeClr val="tx1"/>
+                </a:solidFill>
+              </a:rPr>
+              <a:t>t.Interval</a:t>
+            </a:r>
+            <a:r>
+              <a:rPr lang="mr-IN" sz="1800" dirty="0">
+                <a:solidFill>
+                  <a:schemeClr val="tx1"/>
+                </a:solidFill>
+              </a:rPr>
+              <a:t> &lt;- 1000.0</a:t>
+            </a:r>
+            <a:endParaRPr lang="da-DK" sz="1800" dirty="0">
+              <a:solidFill>
+                <a:schemeClr val="tx1"/>
+              </a:solidFill>
+            </a:endParaRPr>
+          </a:p>
+          <a:p>
+            <a:pPr marL="0" indent="0">
+              <a:buNone/>
+            </a:pPr>
+            <a:r>
+              <a:rPr lang="da-DK" sz="1800" dirty="0" err="1">
+                <a:solidFill>
+                  <a:schemeClr val="tx1"/>
+                </a:solidFill>
+              </a:rPr>
+              <a:t>t.Elapsed.Add</a:t>
+            </a:r>
+            <a:r>
+              <a:rPr lang="da-DK" sz="1800" dirty="0">
+                <a:solidFill>
+                  <a:schemeClr val="tx1"/>
+                </a:solidFill>
+              </a:rPr>
+              <a:t> (</a:t>
+            </a:r>
+            <a:r>
+              <a:rPr lang="da-DK" sz="1800" dirty="0" err="1">
+                <a:solidFill>
+                  <a:schemeClr val="tx1"/>
+                </a:solidFill>
+              </a:rPr>
+              <a:t>fun</a:t>
+            </a:r>
+            <a:r>
+              <a:rPr lang="da-DK" sz="1800" dirty="0">
+                <a:solidFill>
+                  <a:schemeClr val="tx1"/>
+                </a:solidFill>
+              </a:rPr>
+              <a:t> e -&gt; </a:t>
+            </a:r>
+            <a:r>
+              <a:rPr lang="da-DK" sz="1800" dirty="0" err="1">
+                <a:solidFill>
+                  <a:schemeClr val="tx1"/>
+                </a:solidFill>
+              </a:rPr>
+              <a:t>printfn</a:t>
+            </a:r>
+            <a:r>
+              <a:rPr lang="da-DK" sz="1800" dirty="0">
+                <a:solidFill>
+                  <a:schemeClr val="tx1"/>
+                </a:solidFill>
+              </a:rPr>
+              <a:t> "%s" (</a:t>
+            </a:r>
+            <a:r>
+              <a:rPr lang="da-DK" sz="1800" dirty="0" err="1">
+                <a:solidFill>
+                  <a:schemeClr val="tx1"/>
+                </a:solidFill>
+              </a:rPr>
+              <a:t>string</a:t>
+            </a:r>
+            <a:r>
+              <a:rPr lang="da-DK" sz="1800" dirty="0">
+                <a:solidFill>
+                  <a:schemeClr val="tx1"/>
+                </a:solidFill>
+              </a:rPr>
+              <a:t> </a:t>
+            </a:r>
+            <a:r>
+              <a:rPr lang="da-DK" sz="1800" dirty="0" err="1">
+                <a:solidFill>
+                  <a:schemeClr val="tx1"/>
+                </a:solidFill>
+              </a:rPr>
+              <a:t>System.DateTime.Now</a:t>
+            </a:r>
+            <a:r>
+              <a:rPr lang="da-DK" sz="1800" dirty="0">
+                <a:solidFill>
+                  <a:schemeClr val="tx1"/>
+                </a:solidFill>
+              </a:rPr>
+              <a:t>));;</a:t>
+            </a:r>
+          </a:p>
+          <a:p>
+            <a:pPr marL="0" indent="0">
+              <a:buNone/>
+            </a:pPr>
+            <a:r>
+              <a:rPr lang="mr-IN" sz="1800" dirty="0" err="1">
+                <a:solidFill>
+                  <a:schemeClr val="tx1"/>
+                </a:solidFill>
+              </a:rPr>
+              <a:t>t.Start</a:t>
+            </a:r>
+            <a:r>
+              <a:rPr lang="mr-IN" sz="1800" dirty="0">
+                <a:solidFill>
+                  <a:schemeClr val="tx1"/>
+                </a:solidFill>
+              </a:rPr>
+              <a:t>();;</a:t>
+            </a:r>
+          </a:p>
+          <a:p>
+            <a:pPr marL="0" indent="0">
+              <a:buNone/>
+            </a:pPr>
+            <a:r>
+              <a:rPr lang="mr-IN" sz="1800" dirty="0" err="1">
+                <a:solidFill>
+                  <a:schemeClr val="tx1"/>
+                </a:solidFill>
+              </a:rPr>
+              <a:t>t.S</a:t>
+            </a:r>
+            <a:r>
+              <a:rPr lang="da-DK" sz="1800" dirty="0">
+                <a:solidFill>
+                  <a:schemeClr val="tx1"/>
+                </a:solidFill>
+              </a:rPr>
+              <a:t>top</a:t>
+            </a:r>
+            <a:r>
+              <a:rPr lang="mr-IN" sz="1800" dirty="0">
+                <a:solidFill>
+                  <a:schemeClr val="tx1"/>
+                </a:solidFill>
+              </a:rPr>
+              <a:t>();;</a:t>
+            </a:r>
+          </a:p>
+          <a:p>
+            <a:pPr marL="0" indent="0">
+              <a:buNone/>
+            </a:pPr>
+            <a:endParaRPr lang="mr-IN" dirty="0"/>
+          </a:p>
+        </p:txBody>
+      </p:sp>
+      <p:sp>
+        <p:nvSpPr>
+          <p:cNvPr id="2" name="Title 1"/>
+          <p:cNvSpPr>
+            <a:spLocks noGrp="1"/>
+          </p:cNvSpPr>
+          <p:nvPr>
+            <p:ph type="title"/>
+          </p:nvPr>
+        </p:nvSpPr>
+        <p:spPr/>
+        <p:txBody>
+          <a:bodyPr/>
           <a:lstStyle/>
           <a:p>
             <a:r>
+              <a:rPr lang="en-US" dirty="0" err="1"/>
+              <a:t>Stopur</a:t>
+            </a:r>
+            <a:r>
               <a:rPr lang="en-US" dirty="0"/>
-              <a:t>let now = </a:t>
-            </a:r>
-            <a:r>
-              <a:rPr lang="en-US" dirty="0" err="1"/>
-              <a:t>System.DateTime.Now</a:t>
-            </a:r>
-            <a:r>
-              <a:rPr lang="en-US" dirty="0"/>
-              <a:t>                                         </a:t>
-            </a:r>
-          </a:p>
-          <a:p>
-            <a:r>
-              <a:rPr lang="en-US" dirty="0" err="1" smtClean="0"/>
-              <a:t>printf</a:t>
-            </a:r>
-            <a:r>
-              <a:rPr lang="en-US" dirty="0" smtClean="0"/>
-              <a:t> </a:t>
-            </a:r>
-            <a:r>
-              <a:rPr lang="en-US" dirty="0"/>
-              <a:t>"%d/%d/%</a:t>
-            </a:r>
-            <a:r>
-              <a:rPr lang="en-US" dirty="0" smtClean="0"/>
-              <a:t>d" </a:t>
-            </a:r>
-            <a:r>
-              <a:rPr lang="en-US" dirty="0" err="1" smtClean="0"/>
-              <a:t>now.Year</a:t>
-            </a:r>
-            <a:r>
-              <a:rPr lang="en-US" dirty="0" smtClean="0"/>
-              <a:t> </a:t>
-            </a:r>
-            <a:r>
-              <a:rPr lang="en-US" dirty="0" err="1" smtClean="0"/>
-              <a:t>now.Month</a:t>
-            </a:r>
-            <a:r>
-              <a:rPr lang="en-US" dirty="0" smtClean="0"/>
-              <a:t> </a:t>
-            </a:r>
-            <a:r>
-              <a:rPr lang="en-US" dirty="0" err="1" smtClean="0"/>
-              <a:t>now.Day</a:t>
-            </a:r>
-            <a:endParaRPr lang="en-US" dirty="0" smtClean="0"/>
-          </a:p>
-          <a:p>
-            <a:r>
-              <a:rPr lang="en-US" dirty="0" err="1" smtClean="0"/>
-              <a:t>printfn</a:t>
-            </a:r>
-            <a:r>
-              <a:rPr lang="en-US" dirty="0" smtClean="0"/>
-              <a:t> " </a:t>
-            </a:r>
-            <a:r>
-              <a:rPr lang="en-US" dirty="0"/>
-              <a:t>%d:%02d:%02d:%03d</a:t>
-            </a:r>
-            <a:r>
-              <a:rPr lang="en-US" dirty="0" smtClean="0"/>
-              <a:t>" </a:t>
-            </a:r>
-            <a:r>
-              <a:rPr lang="en-US" dirty="0" err="1" smtClean="0"/>
-              <a:t>now.Hour</a:t>
-            </a:r>
-            <a:r>
-              <a:rPr lang="en-US" dirty="0" smtClean="0"/>
-              <a:t> </a:t>
-            </a:r>
-            <a:r>
-              <a:rPr lang="en-US" dirty="0" err="1"/>
-              <a:t>now.Minute</a:t>
-            </a:r>
-            <a:r>
-              <a:rPr lang="en-US" dirty="0"/>
-              <a:t> </a:t>
-            </a:r>
-            <a:r>
-              <a:rPr lang="en-US" dirty="0" err="1"/>
-              <a:t>now.Second</a:t>
-            </a:r>
-            <a:r>
-              <a:rPr lang="en-US" dirty="0"/>
-              <a:t> </a:t>
-            </a:r>
-            <a:r>
-              <a:rPr lang="en-US" dirty="0" err="1" smtClean="0"/>
-              <a:t>now.Millisecond</a:t>
-            </a:r>
-            <a:r>
-              <a:rPr lang="en-US" dirty="0" smtClean="0"/>
-              <a:t>;;</a:t>
-            </a:r>
-            <a:endParaRPr lang="en-US" dirty="0"/>
+              <a:t> (Timer Class)</a:t>
+            </a:r>
           </a:p>
         </p:txBody>
       </p:sp>
     </p:spTree>
     <p:extLst>
       <p:ext uri="{BB962C8B-B14F-4D97-AF65-F5344CB8AC3E}">
-        <p14:creationId xmlns:p14="http://schemas.microsoft.com/office/powerpoint/2010/main" val="390898925"/>
+        <p14:creationId xmlns:p14="http://schemas.microsoft.com/office/powerpoint/2010/main" val="1104236283"/>
       </p:ext>
     </p:extLst>
   </p:cSld>
   <p:clrMapOvr>
     <a:masterClrMapping/>
   </p:clrMapOvr>
-  <p:timing>
-    <p:tnLst>
-      <p:par>
-        <p:cTn id="1" dur="indefinite" restart="never" nodeType="tmRoot"/>
-      </p:par>
-    </p:tnLst>
-  </p:timing>
 </p:sld>
 </file>
 
@@ -4568,305 +4750,6 @@
       </p:grpSpPr>
       <p:sp>
         <p:nvSpPr>
-          <p:cNvPr id="3" name="Content Placeholder 2"/>
-          <p:cNvSpPr>
-            <a:spLocks noGrp="1"/>
-          </p:cNvSpPr>
-          <p:nvPr>
-            <p:ph idx="1"/>
-          </p:nvPr>
-        </p:nvSpPr>
-        <p:spPr>
-          <a:xfrm>
-            <a:off x="838200" y="1825625"/>
-            <a:ext cx="10515600" cy="2589213"/>
-          </a:xfrm>
-        </p:spPr>
-        <p:style>
-          <a:lnRef idx="2">
-            <a:schemeClr val="dk1"/>
-          </a:lnRef>
-          <a:fillRef idx="1">
-            <a:schemeClr val="lt1"/>
-          </a:fillRef>
-          <a:effectRef idx="0">
-            <a:schemeClr val="dk1"/>
-          </a:effectRef>
-          <a:fontRef idx="minor">
-            <a:schemeClr val="dk1"/>
-          </a:fontRef>
-        </p:style>
-        <p:txBody>
-          <a:bodyPr/>
-          <a:lstStyle/>
-          <a:p>
-            <a:pPr marL="0" indent="0">
-              <a:buNone/>
-            </a:pPr>
-            <a:r>
-              <a:rPr lang="en-US" sz="1800" dirty="0">
-                <a:solidFill>
-                  <a:schemeClr val="tx1"/>
-                </a:solidFill>
-              </a:rPr>
-              <a:t>let t = new </a:t>
-            </a:r>
-            <a:r>
-              <a:rPr lang="en-US" sz="1800" dirty="0" err="1">
-                <a:solidFill>
-                  <a:schemeClr val="tx1"/>
-                </a:solidFill>
-              </a:rPr>
-              <a:t>System.Timers.Timer</a:t>
-            </a:r>
-            <a:r>
-              <a:rPr lang="en-US" sz="1800" dirty="0">
-                <a:solidFill>
-                  <a:schemeClr val="tx1"/>
-                </a:solidFill>
-              </a:rPr>
-              <a:t>()</a:t>
-            </a:r>
-          </a:p>
-          <a:p>
-            <a:pPr marL="0" indent="0">
-              <a:buNone/>
-            </a:pPr>
-            <a:r>
-              <a:rPr lang="mr-IN" sz="1800" dirty="0" err="1">
-                <a:solidFill>
-                  <a:schemeClr val="tx1"/>
-                </a:solidFill>
-              </a:rPr>
-              <a:t>t.Interval</a:t>
-            </a:r>
-            <a:r>
-              <a:rPr lang="mr-IN" sz="1800" dirty="0">
-                <a:solidFill>
-                  <a:schemeClr val="tx1"/>
-                </a:solidFill>
-              </a:rPr>
-              <a:t> &lt;- 1000.0</a:t>
-            </a:r>
-            <a:endParaRPr lang="da-DK" sz="1800" dirty="0">
-              <a:solidFill>
-                <a:schemeClr val="tx1"/>
-              </a:solidFill>
-            </a:endParaRPr>
-          </a:p>
-          <a:p>
-            <a:pPr marL="0" indent="0">
-              <a:buNone/>
-            </a:pPr>
-            <a:r>
-              <a:rPr lang="da-DK" sz="1800" dirty="0" err="1">
-                <a:solidFill>
-                  <a:schemeClr val="tx1"/>
-                </a:solidFill>
-              </a:rPr>
-              <a:t>t.Elapsed.Add</a:t>
-            </a:r>
-            <a:r>
-              <a:rPr lang="da-DK" sz="1800" dirty="0">
-                <a:solidFill>
-                  <a:schemeClr val="tx1"/>
-                </a:solidFill>
-              </a:rPr>
-              <a:t> (</a:t>
-            </a:r>
-            <a:r>
-              <a:rPr lang="da-DK" sz="1800" dirty="0" err="1">
-                <a:solidFill>
-                  <a:schemeClr val="tx1"/>
-                </a:solidFill>
-              </a:rPr>
-              <a:t>fun</a:t>
-            </a:r>
-            <a:r>
-              <a:rPr lang="da-DK" sz="1800" dirty="0">
-                <a:solidFill>
-                  <a:schemeClr val="tx1"/>
-                </a:solidFill>
-              </a:rPr>
-              <a:t> e -&gt; </a:t>
-            </a:r>
-            <a:r>
-              <a:rPr lang="da-DK" sz="1800" dirty="0" err="1">
-                <a:solidFill>
-                  <a:schemeClr val="tx1"/>
-                </a:solidFill>
-              </a:rPr>
-              <a:t>printfn</a:t>
-            </a:r>
-            <a:r>
-              <a:rPr lang="da-DK" sz="1800" dirty="0">
-                <a:solidFill>
-                  <a:schemeClr val="tx1"/>
-                </a:solidFill>
-              </a:rPr>
-              <a:t> "%s" (</a:t>
-            </a:r>
-            <a:r>
-              <a:rPr lang="da-DK" sz="1800" dirty="0" err="1">
-                <a:solidFill>
-                  <a:schemeClr val="tx1"/>
-                </a:solidFill>
-              </a:rPr>
-              <a:t>string</a:t>
-            </a:r>
-            <a:r>
-              <a:rPr lang="da-DK" sz="1800" dirty="0">
-                <a:solidFill>
-                  <a:schemeClr val="tx1"/>
-                </a:solidFill>
-              </a:rPr>
-              <a:t> </a:t>
-            </a:r>
-            <a:r>
-              <a:rPr lang="da-DK" sz="1800" dirty="0" err="1">
-                <a:solidFill>
-                  <a:schemeClr val="tx1"/>
-                </a:solidFill>
-              </a:rPr>
-              <a:t>System.DateTime.Now</a:t>
-            </a:r>
-            <a:r>
-              <a:rPr lang="da-DK" sz="1800" dirty="0">
-                <a:solidFill>
-                  <a:schemeClr val="tx1"/>
-                </a:solidFill>
-              </a:rPr>
-              <a:t>));;</a:t>
-            </a:r>
-          </a:p>
-          <a:p>
-            <a:pPr marL="0" indent="0">
-              <a:buNone/>
-            </a:pPr>
-            <a:r>
-              <a:rPr lang="mr-IN" sz="1800" dirty="0" err="1">
-                <a:solidFill>
-                  <a:schemeClr val="tx1"/>
-                </a:solidFill>
-              </a:rPr>
-              <a:t>t.Start</a:t>
-            </a:r>
-            <a:r>
-              <a:rPr lang="mr-IN" sz="1800" dirty="0">
-                <a:solidFill>
-                  <a:schemeClr val="tx1"/>
-                </a:solidFill>
-              </a:rPr>
-              <a:t>();;</a:t>
-            </a:r>
-          </a:p>
-          <a:p>
-            <a:pPr marL="0" indent="0">
-              <a:buNone/>
-            </a:pPr>
-            <a:r>
-              <a:rPr lang="mr-IN" sz="1800" dirty="0" err="1">
-                <a:solidFill>
-                  <a:schemeClr val="tx1"/>
-                </a:solidFill>
-              </a:rPr>
-              <a:t>t.S</a:t>
-            </a:r>
-            <a:r>
-              <a:rPr lang="da-DK" sz="1800" dirty="0">
-                <a:solidFill>
-                  <a:schemeClr val="tx1"/>
-                </a:solidFill>
-              </a:rPr>
-              <a:t>top</a:t>
-            </a:r>
-            <a:r>
-              <a:rPr lang="mr-IN" sz="1800" dirty="0">
-                <a:solidFill>
-                  <a:schemeClr val="tx1"/>
-                </a:solidFill>
-              </a:rPr>
-              <a:t>();;</a:t>
-            </a:r>
-          </a:p>
-          <a:p>
-            <a:pPr marL="0" indent="0">
-              <a:buNone/>
-            </a:pPr>
-            <a:endParaRPr lang="mr-IN" dirty="0"/>
-          </a:p>
-        </p:txBody>
-      </p:sp>
-      <p:sp>
-        <p:nvSpPr>
-          <p:cNvPr id="2" name="Title 1"/>
-          <p:cNvSpPr>
-            <a:spLocks noGrp="1"/>
-          </p:cNvSpPr>
-          <p:nvPr>
-            <p:ph type="title"/>
-          </p:nvPr>
-        </p:nvSpPr>
-        <p:spPr/>
-        <p:txBody>
-          <a:bodyPr/>
-          <a:lstStyle/>
-          <a:p>
-            <a:r>
-              <a:rPr lang="en-US" dirty="0" err="1" smtClean="0"/>
-              <a:t>Stopur</a:t>
-            </a:r>
-            <a:r>
-              <a:rPr lang="en-US" dirty="0"/>
-              <a:t> </a:t>
-            </a:r>
-            <a:r>
-              <a:rPr lang="en-US" dirty="0" smtClean="0"/>
-              <a:t>(Timer Class)</a:t>
-            </a:r>
-            <a:endParaRPr lang="en-US" dirty="0"/>
-          </a:p>
-        </p:txBody>
-      </p:sp>
-    </p:spTree>
-    <p:extLst>
-      <p:ext uri="{BB962C8B-B14F-4D97-AF65-F5344CB8AC3E}">
-        <p14:creationId xmlns:p14="http://schemas.microsoft.com/office/powerpoint/2010/main" val="1104236283"/>
-      </p:ext>
-    </p:extLst>
-  </p:cSld>
-  <p:clrMapOvr>
-    <a:masterClrMapping/>
-  </p:clrMapOvr>
-  <p:timing>
-    <p:tnLst>
-      <p:par>
-        <p:cTn id="1" dur="indefinite" restart="never" nodeType="tmRoot"/>
-      </p:par>
-    </p:tnLst>
-  </p:timing>
-</p:sld>
-</file>
-
-<file path=ppt/slides/slide15.xml><?xml version="1.0" encoding="utf-8"?>
-<p:sld xmlns:a="http://schemas.openxmlformats.org/drawingml/2006/main" xmlns:r="http://schemas.openxmlformats.org/officeDocument/2006/relationships" xmlns:p="http://schemas.openxmlformats.org/presentationml/2006/main">
-  <p:cSld>
-    <p:spTree>
-      <p:nvGrpSpPr>
-        <p:cNvPr id="1" name=""/>
-        <p:cNvGrpSpPr/>
-        <p:nvPr/>
-      </p:nvGrpSpPr>
-      <p:grpSpPr>
-        <a:xfrm>
-          <a:off x="0" y="0"/>
-          <a:ext cx="0" cy="0"/>
-          <a:chOff x="0" y="0"/>
-          <a:chExt cx="0" cy="0"/>
-        </a:xfrm>
-      </p:grpSpPr>
-      <p:sp>
-        <p:nvSpPr>
           <p:cNvPr id="2" name="Title 1"/>
           <p:cNvSpPr>
             <a:spLocks noGrp="1"/>
@@ -4888,32 +4771,27 @@
           <a:lstStyle/>
           <a:p>
             <a:r>
-              <a:rPr lang="en-US" dirty="0" err="1" smtClean="0"/>
+              <a:rPr lang="en-US" dirty="0" err="1"/>
               <a:t>Stopur</a:t>
             </a:r>
-            <a:r>
-              <a:rPr lang="en-US" dirty="0" smtClean="0"/>
-              <a:t/>
-            </a:r>
             <a:br>
-              <a:rPr lang="en-US" dirty="0" smtClean="0"/>
+              <a:rPr lang="en-US" dirty="0"/>
             </a:br>
             <a:r>
-              <a:rPr lang="en-US" dirty="0" err="1" smtClean="0"/>
+              <a:rPr lang="en-US" dirty="0" err="1"/>
               <a:t>og</a:t>
             </a:r>
             <a:r>
-              <a:rPr lang="en-US" dirty="0" smtClean="0"/>
+              <a:rPr lang="en-US" dirty="0"/>
               <a:t> </a:t>
             </a:r>
             <a:br>
-              <a:rPr lang="en-US" dirty="0" smtClean="0"/>
+              <a:rPr lang="en-US" dirty="0"/>
             </a:br>
             <a:r>
-              <a:rPr lang="en-US" dirty="0" smtClean="0"/>
+              <a:rPr lang="en-US" dirty="0"/>
               <a:t>WinForms</a:t>
             </a:r>
-            <a:endParaRPr lang="en-US" dirty="0"/>
           </a:p>
         </p:txBody>
       </p:sp>
@@ -4972,13 +4850,7 @@
               <a:rPr lang="en-US" dirty="0" err="1">
                 <a:hlinkClick r:id="rId3" action="ppaction://hlinkfile"/>
               </a:rPr>
-              <a:t>c</a:t>
-            </a:r>
-            <a:r>
-              <a:rPr lang="en-US" dirty="0" err="1" smtClean="0">
-                <a:hlinkClick r:id="rId3" action="ppaction://hlinkfile"/>
-              </a:rPr>
-              <a:t>lock.fsx</a:t>
+              <a:t>clock.fsx</a:t>
             </a:r>
             <a:endParaRPr lang="en-US" dirty="0"/>
           </a:p>
@@ -5020,10 +4892,9 @@
           <a:lstStyle/>
           <a:p>
             <a:r>
-              <a:rPr lang="en-US" sz="23900" dirty="0" smtClean="0"/>
+              <a:rPr lang="en-US" sz="23900" dirty="0"/>
               <a:t>Refresh</a:t>
             </a:r>
-            <a:endParaRPr lang="en-US" sz="23900" dirty="0"/>
           </a:p>
         </p:txBody>
       </p:sp>
@@ -5118,7 +4989,7 @@
 </p:sld>
 </file>
 
-<file path=ppt/slides/slide16.xml><?xml version="1.0" encoding="utf-8"?>
+<file path=ppt/slides/slide15.xml><?xml version="1.0" encoding="utf-8"?>
 <p:sld xmlns:a="http://schemas.openxmlformats.org/drawingml/2006/main" xmlns:r="http://schemas.openxmlformats.org/officeDocument/2006/relationships" xmlns:p="http://schemas.openxmlformats.org/presentationml/2006/main">
   <p:cSld>
     <p:spTree>
@@ -5151,26 +5022,25 @@
           <a:lstStyle/>
           <a:p>
             <a:r>
-              <a:rPr lang="en-US" dirty="0" smtClean="0"/>
+              <a:rPr lang="en-US" dirty="0"/>
               <a:t>Input </a:t>
             </a:r>
             <a:r>
-              <a:rPr lang="en-US" dirty="0" err="1" smtClean="0"/>
+              <a:rPr lang="en-US" dirty="0" err="1"/>
               <a:t>fra</a:t>
             </a:r>
             <a:r>
-              <a:rPr lang="en-US" dirty="0" smtClean="0"/>
+              <a:rPr lang="en-US" dirty="0"/>
               <a:t> </a:t>
             </a:r>
             <a:r>
-              <a:rPr lang="en-US" dirty="0" err="1" smtClean="0"/>
+              <a:rPr lang="en-US" dirty="0" err="1"/>
               <a:t>brugeren</a:t>
             </a:r>
             <a:r>
-              <a:rPr lang="en-US" dirty="0" smtClean="0"/>
+              <a:rPr lang="en-US" dirty="0"/>
               <a:t> via Controls</a:t>
             </a:r>
-            <a:endParaRPr lang="en-US" dirty="0"/>
           </a:p>
         </p:txBody>
       </p:sp>
@@ -5256,7 +5126,7 @@
           <a:lstStyle/>
           <a:p>
             <a:r>
-              <a:rPr lang="en-US" dirty="0" err="1" smtClean="0">
+              <a:rPr lang="en-US" dirty="0" err="1">
                 <a:hlinkClick r:id="rId4" action="ppaction://hlinkfile"/>
               </a:rPr>
               <a:t>buttonControl.fsx</a:t>
@@ -5275,17 +5145,10 @@
   <p:clrMapOvr>
     <a:masterClrMapping/>
   </p:clrMapOvr>
-  <p:timing>
-    <p:tnLst>
-      <p:par>
-        <p:cTn id="1" dur="indefinite" restart="never" nodeType="tmRoot"/>
-      </p:par>
-    </p:tnLst>
-  </p:timing>
 </p:sld>
 </file>
 
-<file path=ppt/slides/slide17.xml><?xml version="1.0" encoding="utf-8"?>
+<file path=ppt/slides/slide16.xml><?xml version="1.0" encoding="utf-8"?>
 <p:sld xmlns:a="http://schemas.openxmlformats.org/drawingml/2006/main" xmlns:r="http://schemas.openxmlformats.org/officeDocument/2006/relationships" xmlns:p="http://schemas.openxmlformats.org/presentationml/2006/main">
   <p:cSld>
     <p:spTree>
@@ -5325,38 +5188,37 @@
           <a:lstStyle/>
           <a:p>
             <a:r>
-              <a:rPr lang="en-US" dirty="0" err="1" smtClean="0"/>
+              <a:rPr lang="en-US" dirty="0" err="1"/>
               <a:t>Organisering</a:t>
             </a:r>
             <a:r>
-              <a:rPr lang="en-US" dirty="0" smtClean="0"/>
+              <a:rPr lang="en-US" dirty="0"/>
               <a:t> </a:t>
             </a:r>
             <a:r>
-              <a:rPr lang="en-US" dirty="0" err="1" smtClean="0"/>
+              <a:rPr lang="en-US" dirty="0" err="1"/>
               <a:t>af</a:t>
             </a:r>
             <a:r>
-              <a:rPr lang="en-US" dirty="0" smtClean="0"/>
+              <a:rPr lang="en-US" dirty="0"/>
               <a:t> Controls </a:t>
             </a:r>
             <a:r>
-              <a:rPr lang="en-US" dirty="0" err="1" smtClean="0"/>
+              <a:rPr lang="en-US" dirty="0" err="1"/>
               <a:t>i</a:t>
             </a:r>
             <a:r>
-              <a:rPr lang="en-US" dirty="0" smtClean="0"/>
+              <a:rPr lang="en-US" dirty="0"/>
               <a:t> </a:t>
             </a:r>
             <a:r>
-              <a:rPr lang="en-US" dirty="0" err="1" smtClean="0"/>
+              <a:rPr lang="en-US" dirty="0" err="1"/>
               <a:t>grupper</a:t>
             </a:r>
             <a:r>
-              <a:rPr lang="en-US" dirty="0" smtClean="0"/>
+              <a:rPr lang="en-US" dirty="0"/>
               <a:t>: Panels</a:t>
             </a:r>
-            <a:endParaRPr lang="en-US" dirty="0"/>
           </a:p>
         </p:txBody>
       </p:sp>
@@ -5472,7 +5334,7 @@
           <a:lstStyle/>
           <a:p>
             <a:r>
-              <a:rPr lang="en-US" dirty="0" err="1" smtClean="0">
+              <a:rPr lang="en-US" dirty="0" err="1">
                 <a:hlinkClick r:id="rId5" action="ppaction://hlinkfile"/>
               </a:rPr>
               <a:t>flowLayoutPanel.fsx</a:t>
@@ -5534,7 +5396,7 @@
           <a:lstStyle/>
           <a:p>
             <a:r>
-              <a:rPr lang="en-US" dirty="0" err="1" smtClean="0">
+              <a:rPr lang="en-US" dirty="0" err="1">
                 <a:hlinkClick r:id="rId7" action="ppaction://hlinkfile"/>
               </a:rPr>
               <a:t>flowLayoutPanelAdvanced.fsx</a:t>
@@ -5734,7 +5596,7 @@
 </p:sld>
 </file>
 
-<file path=ppt/slides/slide18.xml><?xml version="1.0" encoding="utf-8"?>
+<file path=ppt/slides/slide17.xml><?xml version="1.0" encoding="utf-8"?>
 <p:sld xmlns:a="http://schemas.openxmlformats.org/drawingml/2006/main" xmlns:r="http://schemas.openxmlformats.org/officeDocument/2006/relationships" xmlns:p="http://schemas.openxmlformats.org/presentationml/2006/main">
   <p:cSld>
     <p:spTree>
@@ -5772,15 +5634,15 @@
           <a:lstStyle/>
           <a:p>
             <a:r>
-              <a:rPr lang="en-US" dirty="0" err="1" smtClean="0"/>
+              <a:rPr lang="en-US" dirty="0" err="1"/>
               <a:t>Hilberts</a:t>
             </a:r>
             <a:r>
-              <a:rPr lang="en-US" dirty="0" smtClean="0"/>
+              <a:rPr lang="en-US" dirty="0"/>
               <a:t> </a:t>
             </a:r>
             <a:r>
-              <a:rPr lang="en-US" dirty="0" err="1" smtClean="0"/>
+              <a:rPr lang="en-US" dirty="0" err="1"/>
               <a:t>kurve</a:t>
             </a:r>
             <a:endParaRPr lang="en-US" dirty="0"/>
@@ -5826,17 +5688,10 @@
   <p:clrMapOvr>
     <a:masterClrMapping/>
   </p:clrMapOvr>
-  <p:timing>
-    <p:tnLst>
-      <p:par>
-        <p:cTn id="1" dur="indefinite" restart="never" nodeType="tmRoot"/>
-      </p:par>
-    </p:tnLst>
-  </p:timing>
 </p:sld>
 </file>
 
-<file path=ppt/slides/slide19.xml><?xml version="1.0" encoding="utf-8"?>
+<file path=ppt/slides/slide18.xml><?xml version="1.0" encoding="utf-8"?>
 <p:sld xmlns:a="http://schemas.openxmlformats.org/drawingml/2006/main" xmlns:r="http://schemas.openxmlformats.org/officeDocument/2006/relationships" xmlns:p="http://schemas.openxmlformats.org/presentationml/2006/main">
   <p:cSld>
     <p:spTree>
@@ -5911,13 +5766,6 @@
   <p:clrMapOvr>
     <a:masterClrMapping/>
   </p:clrMapOvr>
-  <p:timing>
-    <p:tnLst>
-      <p:par>
-        <p:cTn id="1" dur="indefinite" restart="never" nodeType="tmRoot"/>
-      </p:par>
-    </p:tnLst>
-  </p:timing>
 </p:sld>
 </file>
 
@@ -5940,7 +5788,13 @@
       </p:grpSpPr>
       <p:sp>
         <p:nvSpPr>
-          <p:cNvPr id="2" name="Title 1"/>
+          <p:cNvPr id="2" name="Title 1">
+            <a:extLst>
+              <a:ext uri="{FF2B5EF4-FFF2-40B4-BE49-F238E27FC236}">
+                <a16:creationId xmlns:a16="http://schemas.microsoft.com/office/drawing/2014/main" id="{4A21BBCF-BC85-0D4F-AA6C-3DBD34FEFD94}"/>
+              </a:ext>
+            </a:extLst>
+          </p:cNvPr>
           <p:cNvSpPr>
             <a:spLocks noGrp="1"/>
           </p:cNvSpPr>
@@ -5954,78 +5808,303 @@
           <a:lstStyle/>
           <a:p>
             <a:r>
-              <a:rPr lang="en-US" dirty="0" err="1" smtClean="0"/>
-              <a:t>Simpel</a:t>
-            </a:r>
-            <a:r>
-              <a:rPr lang="en-US" dirty="0" smtClean="0"/>
+              <a:rPr lang="en-GB" dirty="0" err="1"/>
+              <a:t>Skrive</a:t>
+            </a:r>
+            <a:r>
+              <a:rPr lang="en-GB" dirty="0"/>
               <a:t> </a:t>
             </a:r>
             <a:r>
-              <a:rPr lang="en-US" dirty="0" err="1" smtClean="0"/>
-              <a:t>grafik</a:t>
-            </a:r>
-            <a:r>
-              <a:rPr lang="en-US" dirty="0" smtClean="0"/>
-              <a:t> med </a:t>
-            </a:r>
-            <a:r>
-              <a:rPr lang="en-US" dirty="0" err="1" smtClean="0"/>
+              <a:rPr lang="en-GB" dirty="0" err="1"/>
+              <a:t>på</a:t>
+            </a:r>
+            <a:r>
+              <a:rPr lang="en-GB" dirty="0"/>
+              <a:t> </a:t>
+            </a:r>
+            <a:r>
+              <a:rPr lang="en-GB" dirty="0" err="1"/>
+              <a:t>skærmen</a:t>
+            </a:r>
+            <a:endParaRPr lang="en-GB" dirty="0"/>
+          </a:p>
+        </p:txBody>
+      </p:sp>
+      <p:sp>
+        <p:nvSpPr>
+          <p:cNvPr id="4" name="Rectangle 3">
+            <a:extLst>
+              <a:ext uri="{FF2B5EF4-FFF2-40B4-BE49-F238E27FC236}">
+                <a16:creationId xmlns:a16="http://schemas.microsoft.com/office/drawing/2014/main" id="{95D4FE54-9C36-3A43-802F-D8F47BE77084}"/>
+              </a:ext>
+            </a:extLst>
+          </p:cNvPr>
+          <p:cNvSpPr/>
+          <p:nvPr/>
+        </p:nvSpPr>
+        <p:spPr>
+          <a:xfrm>
+            <a:off x="1117600" y="1995488"/>
+            <a:ext cx="6096000" cy="4524315"/>
+          </a:xfrm>
+          <a:prstGeom prst="rect">
+            <a:avLst/>
+          </a:prstGeom>
+        </p:spPr>
+        <p:txBody>
+          <a:bodyPr>
+            <a:spAutoFit/>
+          </a:bodyPr>
+          <a:lstStyle/>
+          <a:p>
+            <a:r>
+              <a:rPr lang="en-GB" dirty="0">
+                <a:latin typeface="Courier" pitchFamily="2" charset="0"/>
+              </a:rPr>
+              <a:t>open </a:t>
+            </a:r>
+            <a:r>
+              <a:rPr lang="en-GB" dirty="0" err="1">
+                <a:latin typeface="Courier" pitchFamily="2" charset="0"/>
+              </a:rPr>
+              <a:t>System.Windows.Forms</a:t>
+            </a:r>
+            <a:r>
+              <a:rPr lang="en-GB" dirty="0">
+                <a:latin typeface="Courier" pitchFamily="2" charset="0"/>
+              </a:rPr>
+              <a:t>    </a:t>
+            </a:r>
+          </a:p>
+          <a:p>
+            <a:r>
+              <a:rPr lang="en-GB" dirty="0">
+                <a:latin typeface="Courier" pitchFamily="2" charset="0"/>
+              </a:rPr>
+              <a:t>open </a:t>
+            </a:r>
+            <a:r>
+              <a:rPr lang="en-GB" dirty="0" err="1">
+                <a:latin typeface="Courier" pitchFamily="2" charset="0"/>
+              </a:rPr>
               <a:t>System.Drawing</a:t>
             </a:r>
             <a:r>
-              <a:rPr lang="en-US" dirty="0" smtClean="0"/>
-              <a:t>: </a:t>
-            </a:r>
-            <a:r>
-              <a:rPr lang="en-US" dirty="0" err="1" smtClean="0"/>
-              <a:t>Farver</a:t>
-            </a:r>
-            <a:endParaRPr lang="en-US" dirty="0"/>
+              <a:rPr lang="en-GB" dirty="0">
+                <a:latin typeface="Courier" pitchFamily="2" charset="0"/>
+              </a:rPr>
+              <a:t>   </a:t>
+            </a:r>
+          </a:p>
+          <a:p>
+            <a:endParaRPr lang="en-GB" dirty="0">
+              <a:latin typeface="Courier" pitchFamily="2" charset="0"/>
+            </a:endParaRPr>
+          </a:p>
+          <a:p>
+            <a:r>
+              <a:rPr lang="en-GB" dirty="0">
+                <a:latin typeface="Courier" pitchFamily="2" charset="0"/>
+              </a:rPr>
+              <a:t>let win = new Form () // make a window form</a:t>
+            </a:r>
+          </a:p>
+          <a:p>
+            <a:r>
+              <a:rPr lang="en-GB" dirty="0" err="1">
+                <a:latin typeface="Courier" pitchFamily="2" charset="0"/>
+              </a:rPr>
+              <a:t>win.ClientSize</a:t>
+            </a:r>
+            <a:r>
+              <a:rPr lang="en-GB" dirty="0">
+                <a:latin typeface="Courier" pitchFamily="2" charset="0"/>
+              </a:rPr>
+              <a:t> &lt;- Size (200, 100)</a:t>
+            </a:r>
+          </a:p>
+          <a:p>
+            <a:endParaRPr lang="en-GB" dirty="0">
+              <a:latin typeface="Courier" pitchFamily="2" charset="0"/>
+            </a:endParaRPr>
+          </a:p>
+          <a:p>
+            <a:r>
+              <a:rPr lang="en-GB" dirty="0">
+                <a:latin typeface="Courier" pitchFamily="2" charset="0"/>
+              </a:rPr>
+              <a:t>// make a label to show time</a:t>
+            </a:r>
+          </a:p>
+          <a:p>
+            <a:r>
+              <a:rPr lang="en-GB" dirty="0">
+                <a:latin typeface="Courier" pitchFamily="2" charset="0"/>
+              </a:rPr>
+              <a:t>let label = new Label()  </a:t>
+            </a:r>
+          </a:p>
+          <a:p>
+            <a:r>
+              <a:rPr lang="en-GB" dirty="0" err="1">
+                <a:latin typeface="Courier" pitchFamily="2" charset="0"/>
+              </a:rPr>
+              <a:t>win.Controls.Add</a:t>
+            </a:r>
+            <a:r>
+              <a:rPr lang="en-GB" dirty="0">
+                <a:latin typeface="Courier" pitchFamily="2" charset="0"/>
+              </a:rPr>
+              <a:t> label</a:t>
+            </a:r>
+          </a:p>
+          <a:p>
+            <a:r>
+              <a:rPr lang="en-GB" dirty="0" err="1">
+                <a:latin typeface="Courier" pitchFamily="2" charset="0"/>
+              </a:rPr>
+              <a:t>label.Width</a:t>
+            </a:r>
+            <a:r>
+              <a:rPr lang="en-GB" dirty="0">
+                <a:latin typeface="Courier" pitchFamily="2" charset="0"/>
+              </a:rPr>
+              <a:t> &lt;- 200</a:t>
+            </a:r>
+          </a:p>
+          <a:p>
+            <a:r>
+              <a:rPr lang="en-GB" dirty="0" err="1">
+                <a:latin typeface="Courier" pitchFamily="2" charset="0"/>
+              </a:rPr>
+              <a:t>label.Location</a:t>
+            </a:r>
+            <a:r>
+              <a:rPr lang="en-GB" dirty="0">
+                <a:latin typeface="Courier" pitchFamily="2" charset="0"/>
+              </a:rPr>
+              <a:t> &lt;- new Point (10, 20)</a:t>
+            </a:r>
+          </a:p>
+          <a:p>
+            <a:r>
+              <a:rPr lang="en-GB" dirty="0" err="1">
+                <a:latin typeface="Courier" pitchFamily="2" charset="0"/>
+              </a:rPr>
+              <a:t>label.Text</a:t>
+            </a:r>
+            <a:r>
+              <a:rPr lang="en-GB" dirty="0">
+                <a:latin typeface="Courier" pitchFamily="2" charset="0"/>
+              </a:rPr>
+              <a:t> &lt;- "Hello World"</a:t>
+            </a:r>
+          </a:p>
+          <a:p>
+            <a:r>
+              <a:rPr lang="en-GB" dirty="0" err="1">
+                <a:latin typeface="Courier" pitchFamily="2" charset="0"/>
+              </a:rPr>
+              <a:t>label.BackColor</a:t>
+            </a:r>
+            <a:r>
+              <a:rPr lang="en-GB" dirty="0">
+                <a:latin typeface="Courier" pitchFamily="2" charset="0"/>
+              </a:rPr>
+              <a:t> &lt;- </a:t>
+            </a:r>
+            <a:r>
+              <a:rPr lang="en-GB" dirty="0" err="1">
+                <a:latin typeface="Courier" pitchFamily="2" charset="0"/>
+              </a:rPr>
+              <a:t>Color.White</a:t>
+            </a:r>
+            <a:endParaRPr lang="en-GB" dirty="0">
+              <a:latin typeface="Courier" pitchFamily="2" charset="0"/>
+            </a:endParaRPr>
+          </a:p>
+          <a:p>
+            <a:r>
+              <a:rPr lang="en-GB" dirty="0" err="1">
+                <a:latin typeface="Courier" pitchFamily="2" charset="0"/>
+              </a:rPr>
+              <a:t>label.Height</a:t>
+            </a:r>
+            <a:r>
+              <a:rPr lang="en-GB" dirty="0">
+                <a:latin typeface="Courier" pitchFamily="2" charset="0"/>
+              </a:rPr>
+              <a:t> &lt;- 20</a:t>
+            </a:r>
+          </a:p>
+          <a:p>
+            <a:endParaRPr lang="en-GB" dirty="0">
+              <a:latin typeface="Courier" pitchFamily="2" charset="0"/>
+            </a:endParaRPr>
+          </a:p>
+          <a:p>
+            <a:r>
+              <a:rPr lang="en-GB" dirty="0" err="1">
+                <a:latin typeface="Courier" pitchFamily="2" charset="0"/>
+              </a:rPr>
+              <a:t>Application.Run</a:t>
+            </a:r>
+            <a:r>
+              <a:rPr lang="en-GB" dirty="0">
+                <a:latin typeface="Courier" pitchFamily="2" charset="0"/>
+              </a:rPr>
+              <a:t> win // start event-loop</a:t>
+            </a:r>
           </a:p>
         </p:txBody>
       </p:sp>
       <p:pic>
         <p:nvPicPr>
-          <p:cNvPr id="4" name="Content Placeholder 3">
-            <a:hlinkClick r:id="rId2"/>
+          <p:cNvPr id="6" name="Picture 5">
+            <a:extLst>
+              <a:ext uri="{FF2B5EF4-FFF2-40B4-BE49-F238E27FC236}">
+                <a16:creationId xmlns:a16="http://schemas.microsoft.com/office/drawing/2014/main" id="{45A7CB20-3FEF-B64F-B10D-08B37241AD4D}"/>
+              </a:ext>
+            </a:extLst>
           </p:cNvPr>
           <p:cNvPicPr>
-            <a:picLocks noGrp="1" noChangeAspect="1"/>
+            <a:picLocks noChangeAspect="1"/>
           </p:cNvPicPr>
-          <p:nvPr>
-            <p:ph idx="1"/>
-          </p:nvPr>
+          <p:nvPr/>
         </p:nvPicPr>
         <p:blipFill>
-          <a:blip r:embed="rId3">
-            <a:extLst>
-              <a:ext uri="{28A0092B-C50C-407E-A947-70E740481C1C}">
-                <a14:useLocalDpi xmlns:a14="http://schemas.microsoft.com/office/drawing/2010/main" val="0"/>
-              </a:ext>
-            </a:extLst>
-          </a:blip>
+          <a:blip r:embed="rId2"/>
           <a:stretch>
             <a:fillRect/>
           </a:stretch>
         </p:blipFill>
         <p:spPr>
           <a:xfrm>
-            <a:off x="3356947" y="1825625"/>
-            <a:ext cx="5478105" cy="4351338"/>
+            <a:off x="6921500" y="117445"/>
+            <a:ext cx="5270500" cy="3492500"/>
           </a:xfrm>
+          <a:prstGeom prst="rect">
+            <a:avLst/>
+          </a:prstGeom>
         </p:spPr>
       </p:pic>
       <p:sp>
         <p:nvSpPr>
-          <p:cNvPr id="5" name="TextBox 4"/>
+          <p:cNvPr id="7" name="TextBox 6">
+            <a:extLst>
+              <a:ext uri="{FF2B5EF4-FFF2-40B4-BE49-F238E27FC236}">
+                <a16:creationId xmlns:a16="http://schemas.microsoft.com/office/drawing/2014/main" id="{2A6DF806-B31B-E04F-8D5F-BC6766C5B0C5}"/>
+              </a:ext>
+            </a:extLst>
+          </p:cNvPr>
           <p:cNvSpPr txBox="1"/>
           <p:nvPr/>
         </p:nvSpPr>
         <p:spPr>
           <a:xfrm>
-            <a:off x="2390273" y="6311900"/>
-            <a:ext cx="7644657" cy="369332"/>
+            <a:off x="838200" y="1333827"/>
+            <a:ext cx="1239891" cy="461665"/>
           </a:xfrm>
           <a:prstGeom prst="rect">
             <a:avLst/>
@@ -6039,552 +6118,17 @@
           <a:lstStyle/>
           <a:p>
             <a:r>
-              <a:rPr lang="en-US" dirty="0">
-                <a:hlinkClick r:id="rId2"/>
-              </a:rPr>
-              <a:t>https://</a:t>
-            </a:r>
-            <a:r>
-              <a:rPr lang="en-US" dirty="0" err="1">
-                <a:hlinkClick r:id="rId2"/>
-              </a:rPr>
-              <a:t>msdn.microsoft.com</a:t>
-            </a:r>
-            <a:r>
-              <a:rPr lang="en-US" dirty="0">
-                <a:hlinkClick r:id="rId2"/>
-              </a:rPr>
-              <a:t>/</a:t>
-            </a:r>
-            <a:r>
-              <a:rPr lang="en-US" dirty="0" err="1">
-                <a:hlinkClick r:id="rId2"/>
-              </a:rPr>
-              <a:t>en</a:t>
-            </a:r>
-            <a:r>
-              <a:rPr lang="en-US" dirty="0">
-                <a:hlinkClick r:id="rId2"/>
-              </a:rPr>
-              <a:t>-us/library/</a:t>
-            </a:r>
-            <a:r>
-              <a:rPr lang="en-US" dirty="0" err="1">
-                <a:hlinkClick r:id="rId2"/>
-              </a:rPr>
-              <a:t>system.drawing.color</a:t>
-            </a:r>
-            <a:r>
-              <a:rPr lang="en-US" dirty="0">
-                <a:hlinkClick r:id="rId2"/>
-              </a:rPr>
-              <a:t>(v=vs.110).</a:t>
-            </a:r>
-            <a:r>
-              <a:rPr lang="en-US" dirty="0" err="1">
-                <a:hlinkClick r:id="rId2"/>
-              </a:rPr>
-              <a:t>aspx</a:t>
-            </a:r>
-            <a:endParaRPr lang="en-US" dirty="0"/>
+              <a:rPr lang="en-GB" sz="2400" b="1" dirty="0" err="1"/>
+              <a:t>label.fsx</a:t>
+            </a:r>
+            <a:endParaRPr lang="en-GB" sz="2400" b="1" dirty="0"/>
           </a:p>
         </p:txBody>
       </p:sp>
     </p:spTree>
     <p:extLst>
       <p:ext uri="{BB962C8B-B14F-4D97-AF65-F5344CB8AC3E}">
-        <p14:creationId xmlns:p14="http://schemas.microsoft.com/office/powerpoint/2010/main" val="900009619"/>
-      </p:ext>
-    </p:extLst>
-  </p:cSld>
-  <p:clrMapOvr>
-    <a:masterClrMapping/>
-  </p:clrMapOvr>
-  <p:timing>
-    <p:tnLst>
-      <p:par>
-        <p:cTn id="1" dur="indefinite" restart="never" nodeType="tmRoot"/>
-      </p:par>
-    </p:tnLst>
-  </p:timing>
-</p:sld>
-</file>
-
-<file path=ppt/slides/slide3.xml><?xml version="1.0" encoding="utf-8"?>
-<p:sld xmlns:a="http://schemas.openxmlformats.org/drawingml/2006/main" xmlns:r="http://schemas.openxmlformats.org/officeDocument/2006/relationships" xmlns:p="http://schemas.openxmlformats.org/presentationml/2006/main">
-  <p:cSld>
-    <p:spTree>
-      <p:nvGrpSpPr>
-        <p:cNvPr id="1" name=""/>
-        <p:cNvGrpSpPr/>
-        <p:nvPr/>
-      </p:nvGrpSpPr>
-      <p:grpSpPr>
-        <a:xfrm>
-          <a:off x="0" y="0"/>
-          <a:ext cx="0" cy="0"/>
-          <a:chOff x="0" y="0"/>
-          <a:chExt cx="0" cy="0"/>
-        </a:xfrm>
-      </p:grpSpPr>
-      <p:sp>
-        <p:nvSpPr>
-          <p:cNvPr id="2" name="Title 1"/>
-          <p:cNvSpPr>
-            <a:spLocks noGrp="1"/>
-          </p:cNvSpPr>
-          <p:nvPr>
-            <p:ph type="title"/>
-          </p:nvPr>
-        </p:nvSpPr>
-        <p:spPr/>
-        <p:txBody>
-          <a:bodyPr/>
-          <a:lstStyle/>
-          <a:p>
-            <a:r>
-              <a:rPr lang="en-US" dirty="0" err="1" smtClean="0"/>
-              <a:t>System.Drawing</a:t>
-            </a:r>
-            <a:r>
-              <a:rPr lang="en-US" dirty="0"/>
-              <a:t>: </a:t>
-            </a:r>
-            <a:r>
-              <a:rPr lang="en-US" dirty="0" smtClean="0"/>
-              <a:t>Andre structurer</a:t>
-            </a:r>
-            <a:endParaRPr lang="en-US" dirty="0"/>
-          </a:p>
-        </p:txBody>
-      </p:sp>
-      <p:pic>
-        <p:nvPicPr>
-          <p:cNvPr id="4" name="Content Placeholder 3">
-            <a:hlinkClick r:id="rId2"/>
-          </p:cNvPr>
-          <p:cNvPicPr>
-            <a:picLocks noGrp="1" noChangeAspect="1"/>
-          </p:cNvPicPr>
-          <p:nvPr>
-            <p:ph idx="1"/>
-          </p:nvPr>
-        </p:nvPicPr>
-        <p:blipFill>
-          <a:blip r:embed="rId3">
-            <a:extLst>
-              <a:ext uri="{28A0092B-C50C-407E-A947-70E740481C1C}">
-                <a14:useLocalDpi xmlns:a14="http://schemas.microsoft.com/office/drawing/2010/main" val="0"/>
-              </a:ext>
-            </a:extLst>
-          </a:blip>
-          <a:stretch>
-            <a:fillRect/>
-          </a:stretch>
-        </p:blipFill>
-        <p:spPr>
-          <a:xfrm>
-            <a:off x="2305050" y="1899444"/>
-            <a:ext cx="7581900" cy="4203700"/>
-          </a:xfrm>
-        </p:spPr>
-      </p:pic>
-      <p:sp>
-        <p:nvSpPr>
-          <p:cNvPr id="5" name="TextBox 4"/>
-          <p:cNvSpPr txBox="1"/>
-          <p:nvPr/>
-        </p:nvSpPr>
-        <p:spPr>
-          <a:xfrm>
-            <a:off x="2538840" y="6311900"/>
-            <a:ext cx="7114320" cy="369332"/>
-          </a:xfrm>
-          <a:prstGeom prst="rect">
-            <a:avLst/>
-          </a:prstGeom>
-          <a:noFill/>
-        </p:spPr>
-        <p:txBody>
-          <a:bodyPr wrap="none" rtlCol="0">
-            <a:spAutoFit/>
-          </a:bodyPr>
-          <a:lstStyle/>
-          <a:p>
-            <a:r>
-              <a:rPr lang="en-US" dirty="0">
-                <a:hlinkClick r:id="rId2"/>
-              </a:rPr>
-              <a:t>https://</a:t>
-            </a:r>
-            <a:r>
-              <a:rPr lang="en-US" dirty="0" err="1">
-                <a:hlinkClick r:id="rId2"/>
-              </a:rPr>
-              <a:t>msdn.microsoft.com</a:t>
-            </a:r>
-            <a:r>
-              <a:rPr lang="en-US" dirty="0">
-                <a:hlinkClick r:id="rId2"/>
-              </a:rPr>
-              <a:t>/</a:t>
-            </a:r>
-            <a:r>
-              <a:rPr lang="en-US" dirty="0" err="1">
-                <a:hlinkClick r:id="rId2"/>
-              </a:rPr>
-              <a:t>en</a:t>
-            </a:r>
-            <a:r>
-              <a:rPr lang="en-US" dirty="0">
-                <a:hlinkClick r:id="rId2"/>
-              </a:rPr>
-              <a:t>-us/library/</a:t>
-            </a:r>
-            <a:r>
-              <a:rPr lang="en-US" dirty="0" err="1">
-                <a:hlinkClick r:id="rId2"/>
-              </a:rPr>
-              <a:t>system.drawing</a:t>
-            </a:r>
-            <a:r>
-              <a:rPr lang="en-US" dirty="0">
-                <a:hlinkClick r:id="rId2"/>
-              </a:rPr>
-              <a:t>(v=vs.110).</a:t>
-            </a:r>
-            <a:r>
-              <a:rPr lang="en-US" dirty="0" err="1">
-                <a:hlinkClick r:id="rId2"/>
-              </a:rPr>
-              <a:t>aspx</a:t>
-            </a:r>
-            <a:endParaRPr lang="en-US" dirty="0"/>
-          </a:p>
-        </p:txBody>
-      </p:sp>
-    </p:spTree>
-    <p:extLst>
-      <p:ext uri="{BB962C8B-B14F-4D97-AF65-F5344CB8AC3E}">
-        <p14:creationId xmlns:p14="http://schemas.microsoft.com/office/powerpoint/2010/main" val="581197397"/>
-      </p:ext>
-    </p:extLst>
-  </p:cSld>
-  <p:clrMapOvr>
-    <a:masterClrMapping/>
-  </p:clrMapOvr>
-  <p:timing>
-    <p:tnLst>
-      <p:par>
-        <p:cTn id="1" dur="indefinite" restart="never" nodeType="tmRoot"/>
-      </p:par>
-    </p:tnLst>
-  </p:timing>
-</p:sld>
-</file>
-
-<file path=ppt/slides/slide4.xml><?xml version="1.0" encoding="utf-8"?>
-<p:sld xmlns:a="http://schemas.openxmlformats.org/drawingml/2006/main" xmlns:r="http://schemas.openxmlformats.org/officeDocument/2006/relationships" xmlns:p="http://schemas.openxmlformats.org/presentationml/2006/main">
-  <p:cSld>
-    <p:spTree>
-      <p:nvGrpSpPr>
-        <p:cNvPr id="1" name=""/>
-        <p:cNvGrpSpPr/>
-        <p:nvPr/>
-      </p:nvGrpSpPr>
-      <p:grpSpPr>
-        <a:xfrm>
-          <a:off x="0" y="0"/>
-          <a:ext cx="0" cy="0"/>
-          <a:chOff x="0" y="0"/>
-          <a:chExt cx="0" cy="0"/>
-        </a:xfrm>
-      </p:grpSpPr>
-      <p:pic>
-        <p:nvPicPr>
-          <p:cNvPr id="6" name="Picture 5"/>
-          <p:cNvPicPr>
-            <a:picLocks noChangeAspect="1"/>
-          </p:cNvPicPr>
-          <p:nvPr/>
-        </p:nvPicPr>
-        <p:blipFill>
-          <a:blip r:embed="rId2">
-            <a:extLst>
-              <a:ext uri="{28A0092B-C50C-407E-A947-70E740481C1C}">
-                <a14:useLocalDpi xmlns:a14="http://schemas.microsoft.com/office/drawing/2010/main" val="0"/>
-              </a:ext>
-            </a:extLst>
-          </a:blip>
-          <a:stretch>
-            <a:fillRect/>
-          </a:stretch>
-        </p:blipFill>
-        <p:spPr>
-          <a:xfrm>
-            <a:off x="241969" y="157956"/>
-            <a:ext cx="1651000" cy="1739900"/>
-          </a:xfrm>
-          <a:prstGeom prst="rect">
-            <a:avLst/>
-          </a:prstGeom>
-        </p:spPr>
-      </p:pic>
-      <p:sp>
-        <p:nvSpPr>
-          <p:cNvPr id="2" name="Title 1"/>
-          <p:cNvSpPr>
-            <a:spLocks noGrp="1"/>
-          </p:cNvSpPr>
-          <p:nvPr>
-            <p:ph type="title"/>
-          </p:nvPr>
-        </p:nvSpPr>
-        <p:spPr/>
-        <p:txBody>
-          <a:bodyPr/>
-          <a:lstStyle/>
-          <a:p>
-            <a:r>
-              <a:rPr lang="en-US" dirty="0" smtClean="0"/>
-              <a:t>Graphics </a:t>
-            </a:r>
-            <a:r>
-              <a:rPr lang="en-US" dirty="0" err="1" smtClean="0"/>
-              <a:t>metoder</a:t>
-            </a:r>
-            <a:endParaRPr lang="en-US" dirty="0"/>
-          </a:p>
-        </p:txBody>
-      </p:sp>
-      <p:pic>
-        <p:nvPicPr>
-          <p:cNvPr id="4" name="Content Placeholder 3">
-            <a:hlinkClick r:id="rId3"/>
-          </p:cNvPr>
-          <p:cNvPicPr>
-            <a:picLocks noGrp="1" noChangeAspect="1"/>
-          </p:cNvPicPr>
-          <p:nvPr>
-            <p:ph idx="1"/>
-          </p:nvPr>
-        </p:nvPicPr>
-        <p:blipFill>
-          <a:blip r:embed="rId4">
-            <a:extLst>
-              <a:ext uri="{28A0092B-C50C-407E-A947-70E740481C1C}">
-                <a14:useLocalDpi xmlns:a14="http://schemas.microsoft.com/office/drawing/2010/main" val="0"/>
-              </a:ext>
-            </a:extLst>
-          </a:blip>
-          <a:stretch>
-            <a:fillRect/>
-          </a:stretch>
-        </p:blipFill>
-        <p:spPr>
-          <a:xfrm>
-            <a:off x="2305050" y="1974642"/>
-            <a:ext cx="7581900" cy="2032000"/>
-          </a:xfrm>
-        </p:spPr>
-      </p:pic>
-      <p:sp>
-        <p:nvSpPr>
-          <p:cNvPr id="5" name="TextBox 4"/>
-          <p:cNvSpPr txBox="1"/>
-          <p:nvPr/>
-        </p:nvSpPr>
-        <p:spPr>
-          <a:xfrm>
-            <a:off x="1892969" y="4290596"/>
-            <a:ext cx="8899809" cy="369332"/>
-          </a:xfrm>
-          <a:prstGeom prst="rect">
-            <a:avLst/>
-          </a:prstGeom>
-          <a:noFill/>
-        </p:spPr>
-        <p:txBody>
-          <a:bodyPr wrap="none" rtlCol="0">
-            <a:spAutoFit/>
-          </a:bodyPr>
-          <a:lstStyle/>
-          <a:p>
-            <a:r>
-              <a:rPr lang="en-US" dirty="0">
-                <a:hlinkClick r:id="rId3"/>
-              </a:rPr>
-              <a:t>https://</a:t>
-            </a:r>
-            <a:r>
-              <a:rPr lang="en-US" dirty="0" err="1">
-                <a:hlinkClick r:id="rId3"/>
-              </a:rPr>
-              <a:t>msdn.microsoft.com</a:t>
-            </a:r>
-            <a:r>
-              <a:rPr lang="en-US" dirty="0">
-                <a:hlinkClick r:id="rId3"/>
-              </a:rPr>
-              <a:t>/</a:t>
-            </a:r>
-            <a:r>
-              <a:rPr lang="en-US" dirty="0" err="1">
-                <a:hlinkClick r:id="rId3"/>
-              </a:rPr>
-              <a:t>en</a:t>
-            </a:r>
-            <a:r>
-              <a:rPr lang="en-US" dirty="0">
-                <a:hlinkClick r:id="rId3"/>
-              </a:rPr>
-              <a:t>-us/library/</a:t>
-            </a:r>
-            <a:r>
-              <a:rPr lang="en-US" dirty="0" err="1">
-                <a:hlinkClick r:id="rId3"/>
-              </a:rPr>
-              <a:t>system.drawing.graphics_methods</a:t>
-            </a:r>
-            <a:r>
-              <a:rPr lang="en-US" dirty="0">
-                <a:hlinkClick r:id="rId3"/>
-              </a:rPr>
-              <a:t>(v=vs.110).</a:t>
-            </a:r>
-            <a:r>
-              <a:rPr lang="en-US" dirty="0" err="1">
-                <a:hlinkClick r:id="rId3"/>
-              </a:rPr>
-              <a:t>aspx</a:t>
-            </a:r>
-            <a:endParaRPr lang="en-US" dirty="0"/>
-          </a:p>
-        </p:txBody>
-      </p:sp>
-    </p:spTree>
-    <p:extLst>
-      <p:ext uri="{BB962C8B-B14F-4D97-AF65-F5344CB8AC3E}">
-        <p14:creationId xmlns:p14="http://schemas.microsoft.com/office/powerpoint/2010/main" val="1429024823"/>
-      </p:ext>
-    </p:extLst>
-  </p:cSld>
-  <p:clrMapOvr>
-    <a:masterClrMapping/>
-  </p:clrMapOvr>
-  <p:timing>
-    <p:tnLst>
-      <p:par>
-        <p:cTn id="1" dur="indefinite" restart="never" nodeType="tmRoot"/>
-      </p:par>
-    </p:tnLst>
-  </p:timing>
-</p:sld>
-</file>
-
-<file path=ppt/slides/slide5.xml><?xml version="1.0" encoding="utf-8"?>
-<p:sld xmlns:a="http://schemas.openxmlformats.org/drawingml/2006/main" xmlns:r="http://schemas.openxmlformats.org/officeDocument/2006/relationships" xmlns:p="http://schemas.openxmlformats.org/presentationml/2006/main">
-  <p:cSld>
-    <p:spTree>
-      <p:nvGrpSpPr>
-        <p:cNvPr id="1" name=""/>
-        <p:cNvGrpSpPr/>
-        <p:nvPr/>
-      </p:nvGrpSpPr>
-      <p:grpSpPr>
-        <a:xfrm>
-          <a:off x="0" y="0"/>
-          <a:ext cx="0" cy="0"/>
-          <a:chOff x="0" y="0"/>
-          <a:chExt cx="0" cy="0"/>
-        </a:xfrm>
-      </p:grpSpPr>
-      <p:sp>
-        <p:nvSpPr>
-          <p:cNvPr id="2" name="Title 1"/>
-          <p:cNvSpPr>
-            <a:spLocks noGrp="1"/>
-          </p:cNvSpPr>
-          <p:nvPr>
-            <p:ph type="title"/>
-          </p:nvPr>
-        </p:nvSpPr>
-        <p:spPr/>
-        <p:txBody>
-          <a:bodyPr/>
-          <a:lstStyle/>
-          <a:p>
-            <a:r>
-              <a:rPr lang="en-US" dirty="0" smtClean="0"/>
-              <a:t>My first drawing</a:t>
-            </a:r>
-            <a:endParaRPr lang="en-US" dirty="0"/>
-          </a:p>
-        </p:txBody>
-      </p:sp>
-      <p:pic>
-        <p:nvPicPr>
-          <p:cNvPr id="4" name="Content Placeholder 3"/>
-          <p:cNvPicPr>
-            <a:picLocks noGrp="1" noChangeAspect="1"/>
-          </p:cNvPicPr>
-          <p:nvPr>
-            <p:ph idx="1"/>
-          </p:nvPr>
-        </p:nvPicPr>
-        <p:blipFill>
-          <a:blip r:embed="rId2">
-            <a:extLst>
-              <a:ext uri="{28A0092B-C50C-407E-A947-70E740481C1C}">
-                <a14:useLocalDpi xmlns:a14="http://schemas.microsoft.com/office/drawing/2010/main" val="0"/>
-              </a:ext>
-            </a:extLst>
-          </a:blip>
-          <a:stretch>
-            <a:fillRect/>
-          </a:stretch>
-        </p:blipFill>
-        <p:spPr>
-          <a:xfrm>
-            <a:off x="838200" y="1328320"/>
-            <a:ext cx="7520520" cy="4351338"/>
-          </a:xfrm>
-        </p:spPr>
-      </p:pic>
-      <p:pic>
-        <p:nvPicPr>
-          <p:cNvPr id="3" name="Picture 2"/>
-          <p:cNvPicPr>
-            <a:picLocks noChangeAspect="1"/>
-          </p:cNvPicPr>
-          <p:nvPr/>
-        </p:nvPicPr>
-        <p:blipFill>
-          <a:blip r:embed="rId3">
-            <a:extLst>
-              <a:ext uri="{28A0092B-C50C-407E-A947-70E740481C1C}">
-                <a14:useLocalDpi xmlns:a14="http://schemas.microsoft.com/office/drawing/2010/main" val="0"/>
-              </a:ext>
-            </a:extLst>
-          </a:blip>
-          <a:stretch>
-            <a:fillRect/>
-          </a:stretch>
-        </p:blipFill>
-        <p:spPr>
-          <a:xfrm>
-            <a:off x="8557795" y="4586706"/>
-            <a:ext cx="3225800" cy="1727200"/>
-          </a:xfrm>
-          <a:prstGeom prst="rect">
-            <a:avLst/>
-          </a:prstGeom>
-        </p:spPr>
-      </p:pic>
-    </p:spTree>
-    <p:extLst>
-      <p:ext uri="{BB962C8B-B14F-4D97-AF65-F5344CB8AC3E}">
-        <p14:creationId xmlns:p14="http://schemas.microsoft.com/office/powerpoint/2010/main" val="619467998"/>
+        <p14:creationId xmlns:p14="http://schemas.microsoft.com/office/powerpoint/2010/main" val="938737209"/>
       </p:ext>
     </p:extLst>
   </p:cSld>
@@ -6625,7 +6169,7 @@
                                           </p:stCondLst>
                                         </p:cTn>
                                         <p:tgtEl>
-                                          <p:spTgt spid="3"/>
+                                          <p:spTgt spid="6"/>
                                         </p:tgtEl>
                                         <p:attrNameLst>
                                           <p:attrName>style.visibility</p:attrName>
@@ -6669,7 +6213,7 @@
 </p:sld>
 </file>
 
-<file path=ppt/slides/slide6.xml><?xml version="1.0" encoding="utf-8"?>
+<file path=ppt/slides/slide3.xml><?xml version="1.0" encoding="utf-8"?>
 <p:sld xmlns:a="http://schemas.openxmlformats.org/drawingml/2006/main" xmlns:r="http://schemas.openxmlformats.org/officeDocument/2006/relationships" xmlns:p="http://schemas.openxmlformats.org/presentationml/2006/main">
   <p:cSld>
     <p:spTree>
@@ -6688,7 +6232,13 @@
       </p:grpSpPr>
       <p:sp>
         <p:nvSpPr>
-          <p:cNvPr id="2" name="Title 1"/>
+          <p:cNvPr id="2" name="Title 1">
+            <a:extLst>
+              <a:ext uri="{FF2B5EF4-FFF2-40B4-BE49-F238E27FC236}">
+                <a16:creationId xmlns:a16="http://schemas.microsoft.com/office/drawing/2014/main" id="{769AAE9D-D93E-0D49-9BF2-E75580A42996}"/>
+              </a:ext>
+            </a:extLst>
+          </p:cNvPr>
           <p:cNvSpPr>
             <a:spLocks noGrp="1"/>
           </p:cNvSpPr>
@@ -6696,44 +6246,794 @@
             <p:ph type="title"/>
           </p:nvPr>
         </p:nvSpPr>
-        <p:spPr/>
+        <p:spPr>
+          <a:xfrm>
+            <a:off x="838200" y="568325"/>
+            <a:ext cx="10515600" cy="1325563"/>
+          </a:xfrm>
+        </p:spPr>
         <p:txBody>
           <a:bodyPr/>
           <a:lstStyle/>
           <a:p>
             <a:r>
-              <a:rPr lang="en-US" dirty="0" err="1" smtClean="0"/>
+              <a:rPr lang="en-GB" dirty="0" err="1"/>
+              <a:t>System.Timers</a:t>
+            </a:r>
+            <a:br>
+              <a:rPr lang="en-GB" dirty="0"/>
+            </a:br>
+            <a:endParaRPr lang="en-GB" dirty="0"/>
+          </a:p>
+        </p:txBody>
+      </p:sp>
+      <p:sp>
+        <p:nvSpPr>
+          <p:cNvPr id="6" name="Rectangle 5">
+            <a:extLst>
+              <a:ext uri="{FF2B5EF4-FFF2-40B4-BE49-F238E27FC236}">
+                <a16:creationId xmlns:a16="http://schemas.microsoft.com/office/drawing/2014/main" id="{A8610772-A791-C14C-8B4E-9E6AAC06D0FB}"/>
+              </a:ext>
+            </a:extLst>
+          </p:cNvPr>
+          <p:cNvSpPr/>
+          <p:nvPr/>
+        </p:nvSpPr>
+        <p:spPr>
+          <a:xfrm>
+            <a:off x="1270000" y="1973282"/>
+            <a:ext cx="9499600" cy="1477328"/>
+          </a:xfrm>
+          <a:prstGeom prst="rect">
+            <a:avLst/>
+          </a:prstGeom>
+        </p:spPr>
+        <p:txBody>
+          <a:bodyPr wrap="square">
+            <a:spAutoFit/>
+          </a:bodyPr>
+          <a:lstStyle/>
+          <a:p>
+            <a:r>
+              <a:rPr lang="en-US" dirty="0">
+                <a:latin typeface="Courier" pitchFamily="2" charset="0"/>
+              </a:rPr>
+              <a:t>let t = new </a:t>
+            </a:r>
+            <a:r>
+              <a:rPr lang="en-US" dirty="0" err="1">
+                <a:latin typeface="Courier" pitchFamily="2" charset="0"/>
+              </a:rPr>
+              <a:t>System.Timers.Timer</a:t>
+            </a:r>
+            <a:r>
+              <a:rPr lang="en-US" dirty="0">
+                <a:latin typeface="Courier" pitchFamily="2" charset="0"/>
+              </a:rPr>
+              <a:t>()</a:t>
+            </a:r>
+          </a:p>
+          <a:p>
+            <a:r>
+              <a:rPr lang="mr-IN" dirty="0" err="1">
+                <a:latin typeface="Courier" pitchFamily="2" charset="0"/>
+              </a:rPr>
+              <a:t>t.Interval</a:t>
+            </a:r>
+            <a:r>
+              <a:rPr lang="mr-IN" dirty="0">
+                <a:latin typeface="Courier" pitchFamily="2" charset="0"/>
+              </a:rPr>
+              <a:t> &lt;- 1000.0</a:t>
+            </a:r>
+            <a:endParaRPr lang="da-DK" dirty="0">
+              <a:latin typeface="Courier" pitchFamily="2" charset="0"/>
+            </a:endParaRPr>
+          </a:p>
+          <a:p>
+            <a:r>
+              <a:rPr lang="da-DK" dirty="0" err="1">
+                <a:latin typeface="Courier" pitchFamily="2" charset="0"/>
+              </a:rPr>
+              <a:t>t.Elapsed.Add</a:t>
+            </a:r>
+            <a:r>
+              <a:rPr lang="da-DK" dirty="0">
+                <a:latin typeface="Courier" pitchFamily="2" charset="0"/>
+              </a:rPr>
+              <a:t> (</a:t>
+            </a:r>
+            <a:r>
+              <a:rPr lang="da-DK" dirty="0" err="1">
+                <a:latin typeface="Courier" pitchFamily="2" charset="0"/>
+              </a:rPr>
+              <a:t>fun</a:t>
+            </a:r>
+            <a:r>
+              <a:rPr lang="da-DK" dirty="0">
+                <a:latin typeface="Courier" pitchFamily="2" charset="0"/>
+              </a:rPr>
+              <a:t> e -&gt; </a:t>
+            </a:r>
+            <a:r>
+              <a:rPr lang="da-DK" dirty="0" err="1">
+                <a:latin typeface="Courier" pitchFamily="2" charset="0"/>
+              </a:rPr>
+              <a:t>printfn</a:t>
+            </a:r>
+            <a:r>
+              <a:rPr lang="da-DK" dirty="0">
+                <a:latin typeface="Courier" pitchFamily="2" charset="0"/>
+              </a:rPr>
+              <a:t> "%s" (</a:t>
+            </a:r>
+            <a:r>
+              <a:rPr lang="da-DK" dirty="0" err="1">
+                <a:latin typeface="Courier" pitchFamily="2" charset="0"/>
+              </a:rPr>
+              <a:t>string</a:t>
+            </a:r>
+            <a:r>
+              <a:rPr lang="da-DK" dirty="0">
+                <a:latin typeface="Courier" pitchFamily="2" charset="0"/>
+              </a:rPr>
+              <a:t> </a:t>
+            </a:r>
+            <a:r>
+              <a:rPr lang="da-DK" dirty="0" err="1">
+                <a:latin typeface="Courier" pitchFamily="2" charset="0"/>
+              </a:rPr>
+              <a:t>System.DateTime.Now</a:t>
+            </a:r>
+            <a:r>
+              <a:rPr lang="da-DK" dirty="0">
+                <a:latin typeface="Courier" pitchFamily="2" charset="0"/>
+              </a:rPr>
+              <a:t>));;</a:t>
+            </a:r>
+          </a:p>
+          <a:p>
+            <a:r>
+              <a:rPr lang="mr-IN" dirty="0" err="1">
+                <a:latin typeface="Courier" pitchFamily="2" charset="0"/>
+              </a:rPr>
+              <a:t>t.Start</a:t>
+            </a:r>
+            <a:r>
+              <a:rPr lang="mr-IN" dirty="0">
+                <a:latin typeface="Courier" pitchFamily="2" charset="0"/>
+              </a:rPr>
+              <a:t>();;</a:t>
+            </a:r>
+          </a:p>
+          <a:p>
+            <a:r>
+              <a:rPr lang="mr-IN" dirty="0" err="1">
+                <a:latin typeface="Courier" pitchFamily="2" charset="0"/>
+              </a:rPr>
+              <a:t>t.S</a:t>
+            </a:r>
+            <a:r>
+              <a:rPr lang="da-DK" dirty="0">
+                <a:latin typeface="Courier" pitchFamily="2" charset="0"/>
+              </a:rPr>
+              <a:t>top</a:t>
+            </a:r>
+            <a:r>
+              <a:rPr lang="mr-IN" dirty="0">
+                <a:latin typeface="Courier" pitchFamily="2" charset="0"/>
+              </a:rPr>
+              <a:t>();;</a:t>
+            </a:r>
+          </a:p>
+        </p:txBody>
+      </p:sp>
+      <p:sp>
+        <p:nvSpPr>
+          <p:cNvPr id="10" name="TextBox 9">
+            <a:extLst>
+              <a:ext uri="{FF2B5EF4-FFF2-40B4-BE49-F238E27FC236}">
+                <a16:creationId xmlns:a16="http://schemas.microsoft.com/office/drawing/2014/main" id="{B11F725C-1E98-4D4A-93A0-62CA7F3303DE}"/>
+              </a:ext>
+            </a:extLst>
+          </p:cNvPr>
+          <p:cNvSpPr txBox="1"/>
+          <p:nvPr/>
+        </p:nvSpPr>
+        <p:spPr>
+          <a:xfrm>
+            <a:off x="838200" y="1365548"/>
+            <a:ext cx="1069716" cy="461665"/>
+          </a:xfrm>
+          <a:prstGeom prst="rect">
+            <a:avLst/>
+          </a:prstGeom>
+          <a:noFill/>
+        </p:spPr>
+        <p:txBody>
+          <a:bodyPr wrap="none" rtlCol="0">
+            <a:spAutoFit/>
+          </a:bodyPr>
+          <a:lstStyle/>
+          <a:p>
+            <a:r>
+              <a:rPr lang="en-GB" sz="2400" b="1" dirty="0" err="1"/>
+              <a:t>fsharpi</a:t>
+            </a:r>
+            <a:endParaRPr lang="en-GB" sz="2400" b="1" dirty="0"/>
+          </a:p>
+        </p:txBody>
+      </p:sp>
+    </p:spTree>
+    <p:extLst>
+      <p:ext uri="{BB962C8B-B14F-4D97-AF65-F5344CB8AC3E}">
+        <p14:creationId xmlns:p14="http://schemas.microsoft.com/office/powerpoint/2010/main" val="2192856770"/>
+      </p:ext>
+    </p:extLst>
+  </p:cSld>
+  <p:clrMapOvr>
+    <a:masterClrMapping/>
+  </p:clrMapOvr>
+</p:sld>
+</file>
+
+<file path=ppt/slides/slide4.xml><?xml version="1.0" encoding="utf-8"?>
+<p:sld xmlns:a="http://schemas.openxmlformats.org/drawingml/2006/main" xmlns:r="http://schemas.openxmlformats.org/officeDocument/2006/relationships" xmlns:p="http://schemas.openxmlformats.org/presentationml/2006/main">
+  <p:cSld>
+    <p:spTree>
+      <p:nvGrpSpPr>
+        <p:cNvPr id="1" name=""/>
+        <p:cNvGrpSpPr/>
+        <p:nvPr/>
+      </p:nvGrpSpPr>
+      <p:grpSpPr>
+        <a:xfrm>
+          <a:off x="0" y="0"/>
+          <a:ext cx="0" cy="0"/>
+          <a:chOff x="0" y="0"/>
+          <a:chExt cx="0" cy="0"/>
+        </a:xfrm>
+      </p:grpSpPr>
+      <p:sp>
+        <p:nvSpPr>
+          <p:cNvPr id="2" name="Title 1">
+            <a:extLst>
+              <a:ext uri="{FF2B5EF4-FFF2-40B4-BE49-F238E27FC236}">
+                <a16:creationId xmlns:a16="http://schemas.microsoft.com/office/drawing/2014/main" id="{769AAE9D-D93E-0D49-9BF2-E75580A42996}"/>
+              </a:ext>
+            </a:extLst>
+          </p:cNvPr>
+          <p:cNvSpPr>
+            <a:spLocks noGrp="1"/>
+          </p:cNvSpPr>
+          <p:nvPr>
+            <p:ph type="title"/>
+          </p:nvPr>
+        </p:nvSpPr>
+        <p:spPr>
+          <a:xfrm>
+            <a:off x="838200" y="-168275"/>
+            <a:ext cx="10515600" cy="1325563"/>
+          </a:xfrm>
+        </p:spPr>
+        <p:txBody>
+          <a:bodyPr/>
+          <a:lstStyle/>
+          <a:p>
+            <a:r>
+              <a:rPr lang="en-GB" dirty="0" err="1"/>
+              <a:t>System.Windows.Forms</a:t>
+            </a:r>
+            <a:endParaRPr lang="en-GB" dirty="0"/>
+          </a:p>
+        </p:txBody>
+      </p:sp>
+      <p:sp>
+        <p:nvSpPr>
+          <p:cNvPr id="7" name="Rectangle 6">
+            <a:extLst>
+              <a:ext uri="{FF2B5EF4-FFF2-40B4-BE49-F238E27FC236}">
+                <a16:creationId xmlns:a16="http://schemas.microsoft.com/office/drawing/2014/main" id="{F743420A-2399-9B42-90B3-4BC79E679EA6}"/>
+              </a:ext>
+            </a:extLst>
+          </p:cNvPr>
+          <p:cNvSpPr/>
+          <p:nvPr/>
+        </p:nvSpPr>
+        <p:spPr>
+          <a:xfrm>
+            <a:off x="1320800" y="1109018"/>
+            <a:ext cx="9499600" cy="5632311"/>
+          </a:xfrm>
+          <a:prstGeom prst="rect">
+            <a:avLst/>
+          </a:prstGeom>
+        </p:spPr>
+        <p:txBody>
+          <a:bodyPr wrap="square">
+            <a:spAutoFit/>
+          </a:bodyPr>
+          <a:lstStyle/>
+          <a:p>
+            <a:r>
+              <a:rPr lang="en-US" dirty="0">
+                <a:latin typeface="Courier" pitchFamily="2" charset="0"/>
+              </a:rPr>
+              <a:t>open </a:t>
+            </a:r>
+            <a:r>
+              <a:rPr lang="en-US" dirty="0" err="1">
+                <a:latin typeface="Courier" pitchFamily="2" charset="0"/>
+              </a:rPr>
+              <a:t>System.Windows.Forms</a:t>
+            </a:r>
+            <a:r>
+              <a:rPr lang="en-US" dirty="0">
+                <a:latin typeface="Courier" pitchFamily="2" charset="0"/>
+              </a:rPr>
+              <a:t>    </a:t>
+            </a:r>
+          </a:p>
+          <a:p>
+            <a:r>
+              <a:rPr lang="en-US" dirty="0">
+                <a:latin typeface="Courier" pitchFamily="2" charset="0"/>
+              </a:rPr>
+              <a:t>open </a:t>
+            </a:r>
+            <a:r>
+              <a:rPr lang="en-US" dirty="0" err="1">
+                <a:latin typeface="Courier" pitchFamily="2" charset="0"/>
+              </a:rPr>
+              <a:t>System.Drawing</a:t>
+            </a:r>
+            <a:r>
+              <a:rPr lang="en-US" dirty="0">
+                <a:latin typeface="Courier" pitchFamily="2" charset="0"/>
+              </a:rPr>
+              <a:t>   </a:t>
+            </a:r>
+          </a:p>
+          <a:p>
+            <a:endParaRPr lang="en-US" dirty="0">
+              <a:latin typeface="Courier" pitchFamily="2" charset="0"/>
+            </a:endParaRPr>
+          </a:p>
+          <a:p>
+            <a:r>
+              <a:rPr lang="en-US" dirty="0">
+                <a:latin typeface="Courier" pitchFamily="2" charset="0"/>
+              </a:rPr>
+              <a:t>let win = new Form () // make a window form</a:t>
+            </a:r>
+          </a:p>
+          <a:p>
+            <a:r>
+              <a:rPr lang="en-US" dirty="0" err="1">
+                <a:latin typeface="Courier" pitchFamily="2" charset="0"/>
+              </a:rPr>
+              <a:t>win.ClientSize</a:t>
+            </a:r>
+            <a:r>
+              <a:rPr lang="en-US" dirty="0">
+                <a:latin typeface="Courier" pitchFamily="2" charset="0"/>
+              </a:rPr>
+              <a:t> &lt;- Size (200, 50)</a:t>
+            </a:r>
+          </a:p>
+          <a:p>
+            <a:endParaRPr lang="en-US" dirty="0">
+              <a:latin typeface="Courier" pitchFamily="2" charset="0"/>
+            </a:endParaRPr>
+          </a:p>
+          <a:p>
+            <a:r>
+              <a:rPr lang="en-US" dirty="0">
+                <a:latin typeface="Courier" pitchFamily="2" charset="0"/>
+              </a:rPr>
+              <a:t>// make a label to show time</a:t>
+            </a:r>
+          </a:p>
+          <a:p>
+            <a:r>
+              <a:rPr lang="en-US" dirty="0">
+                <a:latin typeface="Courier" pitchFamily="2" charset="0"/>
+              </a:rPr>
+              <a:t>let label = new Label()  </a:t>
+            </a:r>
+          </a:p>
+          <a:p>
+            <a:r>
+              <a:rPr lang="en-US" dirty="0" err="1">
+                <a:latin typeface="Courier" pitchFamily="2" charset="0"/>
+              </a:rPr>
+              <a:t>win.Controls.Add</a:t>
+            </a:r>
+            <a:r>
+              <a:rPr lang="en-US" dirty="0">
+                <a:latin typeface="Courier" pitchFamily="2" charset="0"/>
+              </a:rPr>
+              <a:t> label</a:t>
+            </a:r>
+          </a:p>
+          <a:p>
+            <a:r>
+              <a:rPr lang="en-US" dirty="0" err="1">
+                <a:latin typeface="Courier" pitchFamily="2" charset="0"/>
+              </a:rPr>
+              <a:t>label.Width</a:t>
+            </a:r>
+            <a:r>
+              <a:rPr lang="en-US" dirty="0">
+                <a:latin typeface="Courier" pitchFamily="2" charset="0"/>
+              </a:rPr>
+              <a:t> &lt;- 200</a:t>
+            </a:r>
+          </a:p>
+          <a:p>
+            <a:r>
+              <a:rPr lang="en-US" dirty="0" err="1">
+                <a:latin typeface="Courier" pitchFamily="2" charset="0"/>
+              </a:rPr>
+              <a:t>label.Text</a:t>
+            </a:r>
+            <a:r>
+              <a:rPr lang="en-US" dirty="0">
+                <a:latin typeface="Courier" pitchFamily="2" charset="0"/>
+              </a:rPr>
+              <a:t> &lt;- string </a:t>
+            </a:r>
+            <a:r>
+              <a:rPr lang="en-US" dirty="0" err="1">
+                <a:latin typeface="Courier" pitchFamily="2" charset="0"/>
+              </a:rPr>
+              <a:t>System.DateTime.Now</a:t>
+            </a:r>
+            <a:r>
+              <a:rPr lang="en-US" dirty="0">
+                <a:latin typeface="Courier" pitchFamily="2" charset="0"/>
+              </a:rPr>
+              <a:t> // get present time and date</a:t>
+            </a:r>
+          </a:p>
+          <a:p>
+            <a:endParaRPr lang="en-US" dirty="0">
+              <a:latin typeface="Courier" pitchFamily="2" charset="0"/>
+            </a:endParaRPr>
+          </a:p>
+          <a:p>
+            <a:r>
+              <a:rPr lang="en-US" dirty="0">
+                <a:latin typeface="Courier" pitchFamily="2" charset="0"/>
+              </a:rPr>
+              <a:t>// make a timer and link to label</a:t>
+            </a:r>
+          </a:p>
+          <a:p>
+            <a:r>
+              <a:rPr lang="en-US" dirty="0">
+                <a:latin typeface="Courier" pitchFamily="2" charset="0"/>
+              </a:rPr>
+              <a:t>let timer = new Timer()</a:t>
+            </a:r>
+          </a:p>
+          <a:p>
+            <a:r>
+              <a:rPr lang="en-US" dirty="0" err="1">
+                <a:latin typeface="Courier" pitchFamily="2" charset="0"/>
+              </a:rPr>
+              <a:t>timer.Interval</a:t>
+            </a:r>
+            <a:r>
+              <a:rPr lang="en-US" dirty="0">
+                <a:latin typeface="Courier" pitchFamily="2" charset="0"/>
+              </a:rPr>
+              <a:t> &lt;- 1000 // create an event every 1000 millisecond</a:t>
+            </a:r>
+          </a:p>
+          <a:p>
+            <a:r>
+              <a:rPr lang="en-US" dirty="0" err="1">
+                <a:latin typeface="Courier" pitchFamily="2" charset="0"/>
+              </a:rPr>
+              <a:t>timer.Enabled</a:t>
+            </a:r>
+            <a:r>
+              <a:rPr lang="en-US" dirty="0">
+                <a:latin typeface="Courier" pitchFamily="2" charset="0"/>
+              </a:rPr>
+              <a:t> &lt;- true // </a:t>
+            </a:r>
+            <a:r>
+              <a:rPr lang="en-US" dirty="0" err="1">
+                <a:latin typeface="Courier" pitchFamily="2" charset="0"/>
+              </a:rPr>
+              <a:t>activiate</a:t>
+            </a:r>
+            <a:r>
+              <a:rPr lang="en-US" dirty="0">
+                <a:latin typeface="Courier" pitchFamily="2" charset="0"/>
+              </a:rPr>
+              <a:t> the timer</a:t>
+            </a:r>
+          </a:p>
+          <a:p>
+            <a:r>
+              <a:rPr lang="en-US" dirty="0" err="1">
+                <a:latin typeface="Courier" pitchFamily="2" charset="0"/>
+              </a:rPr>
+              <a:t>timer.Tick.Add</a:t>
+            </a:r>
+            <a:r>
+              <a:rPr lang="en-US" dirty="0">
+                <a:latin typeface="Courier" pitchFamily="2" charset="0"/>
+              </a:rPr>
+              <a:t> (fun e -&gt; </a:t>
+            </a:r>
+            <a:r>
+              <a:rPr lang="en-US" dirty="0" err="1">
+                <a:latin typeface="Courier" pitchFamily="2" charset="0"/>
+              </a:rPr>
+              <a:t>label.Text</a:t>
+            </a:r>
+            <a:r>
+              <a:rPr lang="en-US" dirty="0">
+                <a:latin typeface="Courier" pitchFamily="2" charset="0"/>
+              </a:rPr>
+              <a:t> &lt;- string </a:t>
+            </a:r>
+            <a:r>
+              <a:rPr lang="en-US" dirty="0" err="1">
+                <a:latin typeface="Courier" pitchFamily="2" charset="0"/>
+              </a:rPr>
+              <a:t>System.DateTime.Now</a:t>
+            </a:r>
+            <a:r>
+              <a:rPr lang="en-US" dirty="0">
+                <a:latin typeface="Courier" pitchFamily="2" charset="0"/>
+              </a:rPr>
+              <a:t>)</a:t>
+            </a:r>
+          </a:p>
+          <a:p>
+            <a:endParaRPr lang="en-US" dirty="0">
+              <a:latin typeface="Courier" pitchFamily="2" charset="0"/>
+            </a:endParaRPr>
+          </a:p>
+          <a:p>
+            <a:r>
+              <a:rPr lang="en-US" dirty="0" err="1">
+                <a:latin typeface="Courier" pitchFamily="2" charset="0"/>
+              </a:rPr>
+              <a:t>Application.Run</a:t>
+            </a:r>
+            <a:r>
+              <a:rPr lang="en-US" dirty="0">
+                <a:latin typeface="Courier" pitchFamily="2" charset="0"/>
+              </a:rPr>
+              <a:t> win // start event-loop</a:t>
+            </a:r>
+          </a:p>
+        </p:txBody>
+      </p:sp>
+      <p:sp>
+        <p:nvSpPr>
+          <p:cNvPr id="10" name="TextBox 9">
+            <a:extLst>
+              <a:ext uri="{FF2B5EF4-FFF2-40B4-BE49-F238E27FC236}">
+                <a16:creationId xmlns:a16="http://schemas.microsoft.com/office/drawing/2014/main" id="{B5F3663B-3913-9042-9775-FB772A436CD7}"/>
+              </a:ext>
+            </a:extLst>
+          </p:cNvPr>
+          <p:cNvSpPr txBox="1"/>
+          <p:nvPr/>
+        </p:nvSpPr>
+        <p:spPr>
+          <a:xfrm>
+            <a:off x="838200" y="695623"/>
+            <a:ext cx="1260730" cy="461665"/>
+          </a:xfrm>
+          <a:prstGeom prst="rect">
+            <a:avLst/>
+          </a:prstGeom>
+          <a:noFill/>
+        </p:spPr>
+        <p:txBody>
+          <a:bodyPr wrap="none" rtlCol="0">
+            <a:spAutoFit/>
+          </a:bodyPr>
+          <a:lstStyle/>
+          <a:p>
+            <a:r>
+              <a:rPr lang="en-GB" sz="2400" b="1" dirty="0" err="1"/>
+              <a:t>clock.fsx</a:t>
+            </a:r>
+            <a:endParaRPr lang="en-GB" sz="2400" b="1" dirty="0"/>
+          </a:p>
+        </p:txBody>
+      </p:sp>
+      <p:pic>
+        <p:nvPicPr>
+          <p:cNvPr id="4" name="Picture 3">
+            <a:extLst>
+              <a:ext uri="{FF2B5EF4-FFF2-40B4-BE49-F238E27FC236}">
+                <a16:creationId xmlns:a16="http://schemas.microsoft.com/office/drawing/2014/main" id="{DF489B37-AE54-404F-912B-7E633F430929}"/>
+              </a:ext>
+            </a:extLst>
+          </p:cNvPr>
+          <p:cNvPicPr>
+            <a:picLocks noChangeAspect="1"/>
+          </p:cNvPicPr>
+          <p:nvPr/>
+        </p:nvPicPr>
+        <p:blipFill>
+          <a:blip r:embed="rId2"/>
+          <a:stretch>
+            <a:fillRect/>
+          </a:stretch>
+        </p:blipFill>
+        <p:spPr>
+          <a:xfrm>
+            <a:off x="7708900" y="520308"/>
+            <a:ext cx="3911600" cy="2286000"/>
+          </a:xfrm>
+          <a:prstGeom prst="rect">
+            <a:avLst/>
+          </a:prstGeom>
+        </p:spPr>
+      </p:pic>
+    </p:spTree>
+    <p:extLst>
+      <p:ext uri="{BB962C8B-B14F-4D97-AF65-F5344CB8AC3E}">
+        <p14:creationId xmlns:p14="http://schemas.microsoft.com/office/powerpoint/2010/main" val="4123883687"/>
+      </p:ext>
+    </p:extLst>
+  </p:cSld>
+  <p:clrMapOvr>
+    <a:masterClrMapping/>
+  </p:clrMapOvr>
+  <p:timing>
+    <p:tnLst>
+      <p:par>
+        <p:cTn id="1" dur="indefinite" restart="never" nodeType="tmRoot">
+          <p:childTnLst>
+            <p:seq concurrent="1" nextAc="seek">
+              <p:cTn id="2" dur="indefinite" nodeType="mainSeq">
+                <p:childTnLst>
+                  <p:par>
+                    <p:cTn id="3" fill="hold">
+                      <p:stCondLst>
+                        <p:cond delay="indefinite"/>
+                      </p:stCondLst>
+                      <p:childTnLst>
+                        <p:par>
+                          <p:cTn id="4" fill="hold">
+                            <p:stCondLst>
+                              <p:cond delay="0"/>
+                            </p:stCondLst>
+                            <p:childTnLst>
+                              <p:par>
+                                <p:cTn id="5" presetID="1" presetClass="entr" presetSubtype="0" fill="hold" nodeType="clickEffect">
+                                  <p:stCondLst>
+                                    <p:cond delay="0"/>
+                                  </p:stCondLst>
+                                  <p:childTnLst>
+                                    <p:set>
+                                      <p:cBhvr>
+                                        <p:cTn id="6" dur="1" fill="hold">
+                                          <p:stCondLst>
+                                            <p:cond delay="0"/>
+                                          </p:stCondLst>
+                                        </p:cTn>
+                                        <p:tgtEl>
+                                          <p:spTgt spid="4"/>
+                                        </p:tgtEl>
+                                        <p:attrNameLst>
+                                          <p:attrName>style.visibility</p:attrName>
+                                        </p:attrNameLst>
+                                      </p:cBhvr>
+                                      <p:to>
+                                        <p:strVal val="visible"/>
+                                      </p:to>
+                                    </p:set>
+                                  </p:childTnLst>
+                                </p:cTn>
+                              </p:par>
+                            </p:childTnLst>
+                          </p:cTn>
+                        </p:par>
+                      </p:childTnLst>
+                    </p:cTn>
+                  </p:par>
+                </p:childTnLst>
+              </p:cTn>
+              <p:prevCondLst>
+                <p:cond evt="onPrev" delay="0">
+                  <p:tgtEl>
+                    <p:sldTgt/>
+                  </p:tgtEl>
+                </p:cond>
+              </p:prevCondLst>
+              <p:nextCondLst>
+                <p:cond evt="onNext" delay="0">
+                  <p:tgtEl>
+                    <p:sldTgt/>
+                  </p:tgtEl>
+                </p:cond>
+              </p:nextCondLst>
+            </p:seq>
+          </p:childTnLst>
+        </p:cTn>
+      </p:par>
+    </p:tnLst>
+  </p:timing>
+</p:sld>
+</file>
+
+<file path=ppt/slides/slide5.xml><?xml version="1.0" encoding="utf-8"?>
+<p:sld xmlns:a="http://schemas.openxmlformats.org/drawingml/2006/main" xmlns:r="http://schemas.openxmlformats.org/officeDocument/2006/relationships" xmlns:p="http://schemas.openxmlformats.org/presentationml/2006/main">
+  <p:cSld>
+    <p:spTree>
+      <p:nvGrpSpPr>
+        <p:cNvPr id="1" name=""/>
+        <p:cNvGrpSpPr/>
+        <p:nvPr/>
+      </p:nvGrpSpPr>
+      <p:grpSpPr>
+        <a:xfrm>
+          <a:off x="0" y="0"/>
+          <a:ext cx="0" cy="0"/>
+          <a:chOff x="0" y="0"/>
+          <a:chExt cx="0" cy="0"/>
+        </a:xfrm>
+      </p:grpSpPr>
+      <p:sp>
+        <p:nvSpPr>
+          <p:cNvPr id="2" name="Title 1"/>
+          <p:cNvSpPr>
+            <a:spLocks noGrp="1"/>
+          </p:cNvSpPr>
+          <p:nvPr>
+            <p:ph type="title"/>
+          </p:nvPr>
+        </p:nvSpPr>
+        <p:spPr/>
+        <p:txBody>
+          <a:bodyPr/>
+          <a:lstStyle/>
+          <a:p>
+            <a:r>
+              <a:rPr lang="en-US" dirty="0" err="1"/>
               <a:t>Winforms</a:t>
             </a:r>
             <a:r>
-              <a:rPr lang="en-US" dirty="0" smtClean="0"/>
+              <a:rPr lang="en-US" dirty="0"/>
               <a:t>, </a:t>
             </a:r>
             <a:r>
-              <a:rPr lang="en-US" dirty="0" err="1" smtClean="0"/>
+              <a:rPr lang="en-US" dirty="0" err="1"/>
               <a:t>Gtk</a:t>
             </a:r>
             <a:r>
-              <a:rPr lang="en-US" dirty="0" smtClean="0"/>
+              <a:rPr lang="en-US" dirty="0"/>
               <a:t>#, Cocoa: </a:t>
             </a:r>
             <a:r>
-              <a:rPr lang="en-US" dirty="0" err="1" smtClean="0"/>
+              <a:rPr lang="en-US" dirty="0" err="1"/>
               <a:t>Adskil</a:t>
             </a:r>
             <a:r>
-              <a:rPr lang="en-US" dirty="0" smtClean="0"/>
+              <a:rPr lang="en-US" dirty="0"/>
               <a:t> model </a:t>
             </a:r>
             <a:r>
-              <a:rPr lang="en-US" dirty="0" err="1" smtClean="0"/>
+              <a:rPr lang="en-US" dirty="0" err="1"/>
               <a:t>og</a:t>
             </a:r>
             <a:r>
-              <a:rPr lang="en-US" dirty="0" smtClean="0"/>
+              <a:rPr lang="en-US" dirty="0"/>
               <a:t> view</a:t>
             </a:r>
-            <a:endParaRPr lang="en-US" dirty="0"/>
           </a:p>
         </p:txBody>
       </p:sp>
@@ -6836,17 +7136,10 @@
   <p:clrMapOvr>
     <a:masterClrMapping/>
   </p:clrMapOvr>
-  <p:timing>
-    <p:tnLst>
-      <p:par>
-        <p:cTn id="1" dur="indefinite" restart="never" nodeType="tmRoot"/>
-      </p:par>
-    </p:tnLst>
-  </p:timing>
 </p:sld>
 </file>
 
-<file path=ppt/slides/slide7.xml><?xml version="1.0" encoding="utf-8"?>
+<file path=ppt/slides/slide6.xml><?xml version="1.0" encoding="utf-8"?>
 <p:sld xmlns:a="http://schemas.openxmlformats.org/drawingml/2006/main" xmlns:r="http://schemas.openxmlformats.org/officeDocument/2006/relationships" xmlns:p="http://schemas.openxmlformats.org/presentationml/2006/main">
   <p:cSld>
     <p:spTree>
@@ -6933,17 +7226,10 @@
   <p:clrMapOvr>
     <a:masterClrMapping/>
   </p:clrMapOvr>
-  <p:timing>
-    <p:tnLst>
-      <p:par>
-        <p:cTn id="1" dur="indefinite" restart="never" nodeType="tmRoot"/>
-      </p:par>
-    </p:tnLst>
-  </p:timing>
 </p:sld>
 </file>
 
-<file path=ppt/slides/slide8.xml><?xml version="1.0" encoding="utf-8"?>
+<file path=ppt/slides/slide7.xml><?xml version="1.0" encoding="utf-8"?>
 <p:sld xmlns:a="http://schemas.openxmlformats.org/drawingml/2006/main" xmlns:r="http://schemas.openxmlformats.org/officeDocument/2006/relationships" xmlns:p="http://schemas.openxmlformats.org/presentationml/2006/main">
   <p:cSld>
     <p:spTree>
@@ -6976,23 +7262,23 @@
           <a:lstStyle/>
           <a:p>
             <a:r>
-              <a:rPr lang="en-US" dirty="0" err="1" smtClean="0"/>
+              <a:rPr lang="en-US" dirty="0" err="1"/>
               <a:t>Tegn</a:t>
             </a:r>
             <a:r>
-              <a:rPr lang="en-US" dirty="0" smtClean="0"/>
+              <a:rPr lang="en-US" dirty="0"/>
               <a:t> </a:t>
             </a:r>
             <a:r>
-              <a:rPr lang="en-US" dirty="0" err="1" smtClean="0"/>
+              <a:rPr lang="en-US" dirty="0" err="1"/>
               <a:t>og</a:t>
             </a:r>
             <a:r>
-              <a:rPr lang="en-US" dirty="0" smtClean="0"/>
+              <a:rPr lang="en-US" dirty="0"/>
               <a:t> transformer mange </a:t>
             </a:r>
             <a:r>
-              <a:rPr lang="en-US" dirty="0" err="1" smtClean="0"/>
+              <a:rPr lang="en-US" dirty="0" err="1"/>
               <a:t>linjer</a:t>
             </a:r>
             <a:endParaRPr lang="en-US" dirty="0"/>
@@ -7129,17 +7415,10 @@
   <p:clrMapOvr>
     <a:masterClrMapping/>
   </p:clrMapOvr>
-  <p:timing>
-    <p:tnLst>
-      <p:par>
-        <p:cTn id="1" dur="indefinite" restart="never" nodeType="tmRoot"/>
-      </p:par>
-    </p:tnLst>
-  </p:timing>
 </p:sld>
 </file>
 
-<file path=ppt/slides/slide9.xml><?xml version="1.0" encoding="utf-8"?>
+<file path=ppt/slides/slide8.xml><?xml version="1.0" encoding="utf-8"?>
 <p:sld xmlns:a="http://schemas.openxmlformats.org/drawingml/2006/main" xmlns:r="http://schemas.openxmlformats.org/officeDocument/2006/relationships" xmlns:p="http://schemas.openxmlformats.org/presentationml/2006/main">
   <p:cSld>
     <p:spTree>
@@ -7177,10 +7456,9 @@
           <a:lstStyle/>
           <a:p>
             <a:r>
-              <a:rPr lang="en-US" smtClean="0"/>
+              <a:rPr lang="en-US"/>
               <a:t>Model</a:t>
             </a:r>
-            <a:endParaRPr lang="en-US"/>
           </a:p>
         </p:txBody>
       </p:sp>
@@ -7223,13 +7501,125 @@
   <p:clrMapOvr>
     <a:masterClrMapping/>
   </p:clrMapOvr>
-  <p:timing>
-    <p:tnLst>
-      <p:par>
-        <p:cTn id="1" dur="indefinite" restart="never" nodeType="tmRoot"/>
-      </p:par>
-    </p:tnLst>
-  </p:timing>
+</p:sld>
+</file>
+
+<file path=ppt/slides/slide9.xml><?xml version="1.0" encoding="utf-8"?>
+<p:sld xmlns:a="http://schemas.openxmlformats.org/drawingml/2006/main" xmlns:r="http://schemas.openxmlformats.org/officeDocument/2006/relationships" xmlns:p="http://schemas.openxmlformats.org/presentationml/2006/main">
+  <p:cSld>
+    <p:spTree>
+      <p:nvGrpSpPr>
+        <p:cNvPr id="1" name=""/>
+        <p:cNvGrpSpPr/>
+        <p:nvPr/>
+      </p:nvGrpSpPr>
+      <p:grpSpPr>
+        <a:xfrm>
+          <a:off x="0" y="0"/>
+          <a:ext cx="0" cy="0"/>
+          <a:chOff x="0" y="0"/>
+          <a:chExt cx="0" cy="0"/>
+        </a:xfrm>
+      </p:grpSpPr>
+      <p:sp>
+        <p:nvSpPr>
+          <p:cNvPr id="2" name="Title 1"/>
+          <p:cNvSpPr>
+            <a:spLocks noGrp="1"/>
+          </p:cNvSpPr>
+          <p:nvPr>
+            <p:ph type="title"/>
+          </p:nvPr>
+        </p:nvSpPr>
+        <p:spPr>
+          <a:xfrm>
+            <a:off x="198120" y="250825"/>
+            <a:ext cx="4762500" cy="594995"/>
+          </a:xfrm>
+        </p:spPr>
+        <p:txBody>
+          <a:bodyPr>
+            <a:normAutofit fontScale="90000"/>
+          </a:bodyPr>
+          <a:lstStyle/>
+          <a:p>
+            <a:r>
+              <a:rPr lang="en-US" dirty="0" err="1"/>
+              <a:t>View+control</a:t>
+            </a:r>
+            <a:endParaRPr lang="en-US" dirty="0"/>
+          </a:p>
+        </p:txBody>
+      </p:sp>
+      <p:pic>
+        <p:nvPicPr>
+          <p:cNvPr id="4" name="Content Placeholder 3"/>
+          <p:cNvPicPr>
+            <a:picLocks noGrp="1" noChangeAspect="1"/>
+          </p:cNvPicPr>
+          <p:nvPr>
+            <p:ph idx="1"/>
+          </p:nvPr>
+        </p:nvPicPr>
+        <p:blipFill>
+          <a:blip r:embed="rId2">
+            <a:extLst>
+              <a:ext uri="{28A0092B-C50C-407E-A947-70E740481C1C}">
+                <a14:useLocalDpi xmlns:a14="http://schemas.microsoft.com/office/drawing/2010/main" val="0"/>
+              </a:ext>
+            </a:extLst>
+          </a:blip>
+          <a:stretch>
+            <a:fillRect/>
+          </a:stretch>
+        </p:blipFill>
+        <p:spPr>
+          <a:xfrm>
+            <a:off x="198120" y="2079784"/>
+            <a:ext cx="8483600" cy="4254500"/>
+          </a:xfrm>
+        </p:spPr>
+      </p:pic>
+      <p:pic>
+        <p:nvPicPr>
+          <p:cNvPr id="5" name="Picture 4"/>
+          <p:cNvPicPr>
+            <a:picLocks noChangeAspect="1"/>
+          </p:cNvPicPr>
+          <p:nvPr/>
+        </p:nvPicPr>
+        <p:blipFill>
+          <a:blip r:embed="rId3">
+            <a:extLst>
+              <a:ext uri="{28A0092B-C50C-407E-A947-70E740481C1C}">
+                <a14:useLocalDpi xmlns:a14="http://schemas.microsoft.com/office/drawing/2010/main" val="0"/>
+              </a:ext>
+            </a:extLst>
+          </a:blip>
+          <a:stretch>
+            <a:fillRect/>
+          </a:stretch>
+        </p:blipFill>
+        <p:spPr>
+          <a:xfrm>
+            <a:off x="3695700" y="250825"/>
+            <a:ext cx="8496300" cy="2362200"/>
+          </a:xfrm>
+          <a:prstGeom prst="rect">
+            <a:avLst/>
+          </a:prstGeom>
+        </p:spPr>
+      </p:pic>
+    </p:spTree>
+    <p:extLst>
+      <p:ext uri="{BB962C8B-B14F-4D97-AF65-F5344CB8AC3E}">
+        <p14:creationId xmlns:p14="http://schemas.microsoft.com/office/powerpoint/2010/main" val="631817660"/>
+      </p:ext>
+    </p:extLst>
+  </p:cSld>
+  <p:clrMapOvr>
+    <a:masterClrMapping/>
+  </p:clrMapOvr>
 </p:sld>
 </file>
 
